--- a/Git_Presentation.pptx
+++ b/Git_Presentation.pptx
@@ -7,14 +7,31 @@
   <p:sldIdLst>
     <p:sldId id="256" r:id="rId2"/>
     <p:sldId id="257" r:id="rId3"/>
-    <p:sldId id="258" r:id="rId4"/>
-    <p:sldId id="259" r:id="rId5"/>
-    <p:sldId id="260" r:id="rId6"/>
-    <p:sldId id="261" r:id="rId7"/>
-    <p:sldId id="262" r:id="rId8"/>
-    <p:sldId id="263" r:id="rId9"/>
-    <p:sldId id="264" r:id="rId10"/>
-    <p:sldId id="265" r:id="rId11"/>
+    <p:sldId id="268" r:id="rId4"/>
+    <p:sldId id="267" r:id="rId5"/>
+    <p:sldId id="282" r:id="rId6"/>
+    <p:sldId id="266" r:id="rId7"/>
+    <p:sldId id="269" r:id="rId8"/>
+    <p:sldId id="270" r:id="rId9"/>
+    <p:sldId id="271" r:id="rId10"/>
+    <p:sldId id="272" r:id="rId11"/>
+    <p:sldId id="273" r:id="rId12"/>
+    <p:sldId id="274" r:id="rId13"/>
+    <p:sldId id="275" r:id="rId14"/>
+    <p:sldId id="276" r:id="rId15"/>
+    <p:sldId id="277" r:id="rId16"/>
+    <p:sldId id="278" r:id="rId17"/>
+    <p:sldId id="279" r:id="rId18"/>
+    <p:sldId id="280" r:id="rId19"/>
+    <p:sldId id="281" r:id="rId20"/>
+    <p:sldId id="258" r:id="rId21"/>
+    <p:sldId id="259" r:id="rId22"/>
+    <p:sldId id="260" r:id="rId23"/>
+    <p:sldId id="261" r:id="rId24"/>
+    <p:sldId id="262" r:id="rId25"/>
+    <p:sldId id="263" r:id="rId26"/>
+    <p:sldId id="264" r:id="rId27"/>
+    <p:sldId id="265" r:id="rId28"/>
   </p:sldIdLst>
   <p:sldSz cx="9144000" cy="6858000" type="screen4x3"/>
   <p:notesSz cx="6858000" cy="9144000"/>
@@ -3173,7 +3190,7 @@
         <p:spPr>
           <a:xfrm>
             <a:off x="914400" y="2926080"/>
-            <a:ext cx="7315200" cy="914400"/>
+            <a:ext cx="4276299" cy="738664"/>
           </a:xfrm>
           <a:prstGeom prst="rect">
             <a:avLst/>
@@ -3186,7 +3203,7 @@
           </a:bodyPr>
           <a:lstStyle/>
           <a:p>
-            <a:endParaRPr/>
+            <a:endParaRPr dirty="0"/>
           </a:p>
           <a:p>
             <a:pPr>
@@ -3197,7 +3214,12 @@
               </a:defRPr>
             </a:pPr>
             <a:r>
-              <a:t>A simple guide to version control</a:t>
+              <a:rPr lang="en-US" dirty="0"/>
+              <a:t>A simple guide to </a:t>
+            </a:r>
+            <a:r>
+              <a:rPr dirty="0"/>
+              <a:t>version control</a:t>
             </a:r>
           </a:p>
         </p:txBody>
@@ -3263,7 +3285,7 @@
         <p:spPr>
           <a:xfrm>
             <a:off x="457200" y="274320"/>
-            <a:ext cx="8229600" cy="914400"/>
+            <a:ext cx="5085688" cy="923330"/>
           </a:xfrm>
           <a:prstGeom prst="rect">
             <a:avLst/>
@@ -3276,7 +3298,7 @@
           </a:bodyPr>
           <a:lstStyle/>
           <a:p>
-            <a:endParaRPr/>
+            <a:endParaRPr dirty="0"/>
           </a:p>
           <a:p>
             <a:pPr>
@@ -3287,7 +3309,20 @@
               </a:defRPr>
             </a:pPr>
             <a:r>
-              <a:t>Thank You!</a:t>
+              <a:rPr lang="en-US" dirty="0"/>
+              <a:t>How does </a:t>
+            </a:r>
+            <a:r>
+              <a:rPr dirty="0"/>
+              <a:t>Git</a:t>
+            </a:r>
+            <a:r>
+              <a:rPr lang="en-US" dirty="0"/>
+              <a:t> really work</a:t>
+            </a:r>
+            <a:r>
+              <a:rPr dirty="0"/>
+              <a:t>?</a:t>
             </a:r>
           </a:p>
         </p:txBody>
@@ -3301,7 +3336,7 @@
         <p:spPr>
           <a:xfrm>
             <a:off x="914400" y="1371600"/>
-            <a:ext cx="7315200" cy="4572000"/>
+            <a:ext cx="184731" cy="677108"/>
           </a:xfrm>
           <a:prstGeom prst="rect">
             <a:avLst/>
@@ -3314,7 +3349,7 @@
           </a:bodyPr>
           <a:lstStyle/>
           <a:p>
-            <a:endParaRPr/>
+            <a:endParaRPr dirty="0"/>
           </a:p>
           <a:p>
             <a:pPr>
@@ -3324,9 +3359,258 @@
                 </a:solidFill>
               </a:defRPr>
             </a:pPr>
-            <a:r>
-              <a:t>Questions?</a:t>
-            </a:r>
+            <a:endParaRPr dirty="0"/>
+          </a:p>
+        </p:txBody>
+      </p:sp>
+      <p:sp>
+        <p:nvSpPr>
+          <p:cNvPr id="5" name="TextBox 4">
+            <a:extLst>
+              <a:ext uri="{FF2B5EF4-FFF2-40B4-BE49-F238E27FC236}">
+                <a16:creationId xmlns:a16="http://schemas.microsoft.com/office/drawing/2014/main" id="{24AF96FC-7A1E-4188-9CE3-25A32BAA0720}"/>
+              </a:ext>
+            </a:extLst>
+          </p:cNvPr>
+          <p:cNvSpPr txBox="1"/>
+          <p:nvPr/>
+        </p:nvSpPr>
+        <p:spPr>
+          <a:xfrm>
+            <a:off x="457200" y="1842868"/>
+            <a:ext cx="8229600" cy="4647426"/>
+          </a:xfrm>
+          <a:prstGeom prst="rect">
+            <a:avLst/>
+          </a:prstGeom>
+          <a:noFill/>
+        </p:spPr>
+        <p:txBody>
+          <a:bodyPr wrap="square" rtlCol="0">
+            <a:spAutoFit/>
+          </a:bodyPr>
+          <a:lstStyle/>
+          <a:p>
+            <a:r>
+              <a:rPr lang="en-US" sz="2400" b="1" dirty="0">
+                <a:solidFill>
+                  <a:schemeClr val="bg1"/>
+                </a:solidFill>
+              </a:rPr>
+              <a:t>Git Branches</a:t>
+            </a:r>
+          </a:p>
+          <a:p>
+            <a:r>
+              <a:rPr lang="en-US" sz="2000" dirty="0">
+                <a:solidFill>
+                  <a:schemeClr val="bg1"/>
+                </a:solidFill>
+              </a:rPr>
+              <a:t>Branches in Git are incredibly lightweight as well. They are simply pointers to a specific commit -- nothing more. This is why many Git enthusiasts Follow the principle</a:t>
+            </a:r>
+            <a:r>
+              <a:rPr lang="en-US" sz="2000" dirty="0"/>
+              <a:t> </a:t>
+            </a:r>
+            <a:r>
+              <a:rPr lang="en-US" sz="2000" dirty="0">
+                <a:solidFill>
+                  <a:schemeClr val="bg1"/>
+                </a:solidFill>
+              </a:rPr>
+              <a:t>: “Branch early, and branch often”</a:t>
+            </a:r>
+          </a:p>
+          <a:p>
+            <a:endParaRPr lang="en-US" sz="2000" dirty="0">
+              <a:solidFill>
+                <a:schemeClr val="bg1"/>
+              </a:solidFill>
+            </a:endParaRPr>
+          </a:p>
+          <a:p>
+            <a:endParaRPr lang="en-US" sz="2000" dirty="0">
+              <a:solidFill>
+                <a:schemeClr val="bg1"/>
+              </a:solidFill>
+            </a:endParaRPr>
+          </a:p>
+          <a:p>
+            <a:r>
+              <a:rPr lang="en-US" sz="2000" dirty="0">
+                <a:solidFill>
+                  <a:schemeClr val="bg1"/>
+                </a:solidFill>
+              </a:rPr>
+              <a:t>Because there is no storage / memory overhead with making many branches, it's easier to logically divide up your work than have big beefy branches.</a:t>
+            </a:r>
+          </a:p>
+          <a:p>
+            <a:endParaRPr lang="en-US" sz="2000" dirty="0">
+              <a:solidFill>
+                <a:schemeClr val="bg1"/>
+              </a:solidFill>
+            </a:endParaRPr>
+          </a:p>
+          <a:p>
+            <a:endParaRPr lang="en-US" sz="2000" dirty="0">
+              <a:solidFill>
+                <a:schemeClr val="bg1"/>
+              </a:solidFill>
+            </a:endParaRPr>
+          </a:p>
+          <a:p>
+            <a:r>
+              <a:rPr lang="en-US" sz="2000" dirty="0">
+                <a:solidFill>
+                  <a:schemeClr val="bg1"/>
+                </a:solidFill>
+              </a:rPr>
+              <a:t>When we start mixing branches and commits, we will see how these two features combine. </a:t>
+            </a:r>
+            <a:r>
+              <a:rPr lang="en-US" sz="2400" b="1" dirty="0">
+                <a:solidFill>
+                  <a:schemeClr val="bg1"/>
+                </a:solidFill>
+              </a:rPr>
+              <a:t>For now though, just remember that a branch essentially says "I want to include the work of this commit and all parent commits."</a:t>
+            </a:r>
+          </a:p>
+        </p:txBody>
+      </p:sp>
+    </p:spTree>
+    <p:extLst>
+      <p:ext uri="{BB962C8B-B14F-4D97-AF65-F5344CB8AC3E}">
+        <p14:creationId xmlns:p14="http://schemas.microsoft.com/office/powerpoint/2010/main" val="1615188240"/>
+      </p:ext>
+    </p:extLst>
+  </p:cSld>
+  <p:clrMapOvr>
+    <a:masterClrMapping/>
+  </p:clrMapOvr>
+</p:sld>
+</file>
+
+<file path=ppt/slides/slide11.xml><?xml version="1.0" encoding="utf-8"?>
+<p:sld xmlns:a="http://schemas.openxmlformats.org/drawingml/2006/main" xmlns:r="http://schemas.openxmlformats.org/officeDocument/2006/relationships" xmlns:p="http://schemas.openxmlformats.org/presentationml/2006/main">
+  <p:cSld>
+    <p:bg>
+      <p:bgPr>
+        <a:solidFill>
+          <a:srgbClr val="1E1E1E"/>
+        </a:solidFill>
+        <a:effectLst/>
+      </p:bgPr>
+    </p:bg>
+    <p:spTree>
+      <p:nvGrpSpPr>
+        <p:cNvPr id="1" name=""/>
+        <p:cNvGrpSpPr/>
+        <p:nvPr/>
+      </p:nvGrpSpPr>
+      <p:grpSpPr>
+        <a:xfrm>
+          <a:off x="0" y="0"/>
+          <a:ext cx="0" cy="0"/>
+          <a:chOff x="0" y="0"/>
+          <a:chExt cx="0" cy="0"/>
+        </a:xfrm>
+      </p:grpSpPr>
+      <p:sp>
+        <p:nvSpPr>
+          <p:cNvPr id="2" name="Title 1"/>
+          <p:cNvSpPr>
+            <a:spLocks noGrp="1"/>
+          </p:cNvSpPr>
+          <p:nvPr>
+            <p:ph type="title"/>
+          </p:nvPr>
+        </p:nvSpPr>
+        <p:spPr/>
+        <p:txBody>
+          <a:bodyPr/>
+          <a:lstStyle/>
+          <a:p>
+            <a:endParaRPr/>
+          </a:p>
+        </p:txBody>
+      </p:sp>
+      <p:sp>
+        <p:nvSpPr>
+          <p:cNvPr id="3" name="TextBox 2"/>
+          <p:cNvSpPr txBox="1"/>
+          <p:nvPr/>
+        </p:nvSpPr>
+        <p:spPr>
+          <a:xfrm>
+            <a:off x="457200" y="274320"/>
+            <a:ext cx="5085688" cy="923330"/>
+          </a:xfrm>
+          <a:prstGeom prst="rect">
+            <a:avLst/>
+          </a:prstGeom>
+          <a:noFill/>
+        </p:spPr>
+        <p:txBody>
+          <a:bodyPr wrap="none">
+            <a:spAutoFit/>
+          </a:bodyPr>
+          <a:lstStyle/>
+          <a:p>
+            <a:endParaRPr dirty="0"/>
+          </a:p>
+          <a:p>
+            <a:pPr>
+              <a:defRPr sz="3600">
+                <a:solidFill>
+                  <a:srgbClr val="00C882"/>
+                </a:solidFill>
+              </a:defRPr>
+            </a:pPr>
+            <a:r>
+              <a:rPr lang="en-US" dirty="0"/>
+              <a:t>How does </a:t>
+            </a:r>
+            <a:r>
+              <a:rPr dirty="0"/>
+              <a:t>Git</a:t>
+            </a:r>
+            <a:r>
+              <a:rPr lang="en-US" dirty="0"/>
+              <a:t> really work</a:t>
+            </a:r>
+            <a:r>
+              <a:rPr dirty="0"/>
+              <a:t>?</a:t>
+            </a:r>
+          </a:p>
+        </p:txBody>
+      </p:sp>
+      <p:sp>
+        <p:nvSpPr>
+          <p:cNvPr id="4" name="TextBox 3"/>
+          <p:cNvSpPr txBox="1"/>
+          <p:nvPr/>
+        </p:nvSpPr>
+        <p:spPr>
+          <a:xfrm>
+            <a:off x="914400" y="1371600"/>
+            <a:ext cx="184731" cy="677108"/>
+          </a:xfrm>
+          <a:prstGeom prst="rect">
+            <a:avLst/>
+          </a:prstGeom>
+          <a:noFill/>
+        </p:spPr>
+        <p:txBody>
+          <a:bodyPr wrap="none">
+            <a:spAutoFit/>
+          </a:bodyPr>
+          <a:lstStyle/>
+          <a:p>
+            <a:endParaRPr dirty="0"/>
           </a:p>
           <a:p>
             <a:pPr>
@@ -3336,13 +3620,2241 @@
                 </a:solidFill>
               </a:defRPr>
             </a:pPr>
-            <a:r>
-              <a:t>Happy Coding with Git!</a:t>
-            </a:r>
+            <a:endParaRPr dirty="0"/>
+          </a:p>
+        </p:txBody>
+      </p:sp>
+      <p:pic>
+        <p:nvPicPr>
+          <p:cNvPr id="7" name="Picture 6">
+            <a:extLst>
+              <a:ext uri="{FF2B5EF4-FFF2-40B4-BE49-F238E27FC236}">
+                <a16:creationId xmlns:a16="http://schemas.microsoft.com/office/drawing/2014/main" id="{BBDB91AE-2FC8-4DBB-AD17-242E37571BB8}"/>
+              </a:ext>
+            </a:extLst>
+          </p:cNvPr>
+          <p:cNvPicPr>
+            <a:picLocks noChangeAspect="1"/>
+          </p:cNvPicPr>
+          <p:nvPr/>
+        </p:nvPicPr>
+        <p:blipFill>
+          <a:blip r:embed="rId2"/>
+          <a:stretch>
+            <a:fillRect/>
+          </a:stretch>
+        </p:blipFill>
+        <p:spPr>
+          <a:xfrm>
+            <a:off x="2959380" y="1538287"/>
+            <a:ext cx="3225239" cy="5269218"/>
+          </a:xfrm>
+          <a:prstGeom prst="rect">
+            <a:avLst/>
+          </a:prstGeom>
+        </p:spPr>
+      </p:pic>
+      <p:sp>
+        <p:nvSpPr>
+          <p:cNvPr id="8" name="TextBox 7">
+            <a:extLst>
+              <a:ext uri="{FF2B5EF4-FFF2-40B4-BE49-F238E27FC236}">
+                <a16:creationId xmlns:a16="http://schemas.microsoft.com/office/drawing/2014/main" id="{364CCBFD-D4FA-4A9B-8632-6B0B01AF36AB}"/>
+              </a:ext>
+            </a:extLst>
+          </p:cNvPr>
+          <p:cNvSpPr txBox="1"/>
+          <p:nvPr/>
+        </p:nvSpPr>
+        <p:spPr>
+          <a:xfrm>
+            <a:off x="2172989" y="4838856"/>
+            <a:ext cx="4798019" cy="584775"/>
+          </a:xfrm>
+          <a:prstGeom prst="rect">
+            <a:avLst/>
+          </a:prstGeom>
+          <a:solidFill>
+            <a:schemeClr val="bg1"/>
+          </a:solidFill>
+          <a:ln>
+            <a:solidFill>
+              <a:schemeClr val="bg1"/>
+            </a:solidFill>
+          </a:ln>
+        </p:spPr>
+        <p:txBody>
+          <a:bodyPr wrap="square" rtlCol="0">
+            <a:spAutoFit/>
+          </a:bodyPr>
+          <a:lstStyle/>
+          <a:p>
+            <a:pPr algn="ctr"/>
+            <a:r>
+              <a:rPr lang="en-US" sz="3200" dirty="0"/>
+              <a:t>git branch </a:t>
+            </a:r>
+            <a:r>
+              <a:rPr lang="en-US" sz="3200" dirty="0" err="1"/>
+              <a:t>newImage</a:t>
+            </a:r>
+            <a:endParaRPr lang="en-US" sz="3200" dirty="0"/>
           </a:p>
         </p:txBody>
       </p:sp>
     </p:spTree>
+    <p:extLst>
+      <p:ext uri="{BB962C8B-B14F-4D97-AF65-F5344CB8AC3E}">
+        <p14:creationId xmlns:p14="http://schemas.microsoft.com/office/powerpoint/2010/main" val="1456635209"/>
+      </p:ext>
+    </p:extLst>
+  </p:cSld>
+  <p:clrMapOvr>
+    <a:masterClrMapping/>
+  </p:clrMapOvr>
+  <p:timing>
+    <p:tnLst>
+      <p:par>
+        <p:cTn id="1" dur="indefinite" restart="never" nodeType="tmRoot">
+          <p:childTnLst>
+            <p:seq concurrent="1" nextAc="seek">
+              <p:cTn id="2" dur="indefinite" nodeType="mainSeq">
+                <p:childTnLst>
+                  <p:par>
+                    <p:cTn id="3" fill="hold">
+                      <p:stCondLst>
+                        <p:cond delay="indefinite"/>
+                      </p:stCondLst>
+                      <p:childTnLst>
+                        <p:par>
+                          <p:cTn id="4" fill="hold">
+                            <p:stCondLst>
+                              <p:cond delay="0"/>
+                            </p:stCondLst>
+                            <p:childTnLst>
+                              <p:par>
+                                <p:cTn id="5" presetID="1" presetClass="entr" presetSubtype="0" fill="hold" grpId="0" nodeType="clickEffect">
+                                  <p:stCondLst>
+                                    <p:cond delay="0"/>
+                                  </p:stCondLst>
+                                  <p:childTnLst>
+                                    <p:set>
+                                      <p:cBhvr>
+                                        <p:cTn id="6" dur="1" fill="hold">
+                                          <p:stCondLst>
+                                            <p:cond delay="0"/>
+                                          </p:stCondLst>
+                                        </p:cTn>
+                                        <p:tgtEl>
+                                          <p:spTgt spid="8"/>
+                                        </p:tgtEl>
+                                        <p:attrNameLst>
+                                          <p:attrName>style.visibility</p:attrName>
+                                        </p:attrNameLst>
+                                      </p:cBhvr>
+                                      <p:to>
+                                        <p:strVal val="visible"/>
+                                      </p:to>
+                                    </p:set>
+                                  </p:childTnLst>
+                                </p:cTn>
+                              </p:par>
+                            </p:childTnLst>
+                          </p:cTn>
+                        </p:par>
+                      </p:childTnLst>
+                    </p:cTn>
+                  </p:par>
+                </p:childTnLst>
+              </p:cTn>
+              <p:prevCondLst>
+                <p:cond evt="onPrev" delay="0">
+                  <p:tgtEl>
+                    <p:sldTgt/>
+                  </p:tgtEl>
+                </p:cond>
+              </p:prevCondLst>
+              <p:nextCondLst>
+                <p:cond evt="onNext" delay="0">
+                  <p:tgtEl>
+                    <p:sldTgt/>
+                  </p:tgtEl>
+                </p:cond>
+              </p:nextCondLst>
+            </p:seq>
+          </p:childTnLst>
+        </p:cTn>
+      </p:par>
+    </p:tnLst>
+    <p:bldLst>
+      <p:bldP spid="8" grpId="0" animBg="1"/>
+    </p:bldLst>
+  </p:timing>
+</p:sld>
+</file>
+
+<file path=ppt/slides/slide12.xml><?xml version="1.0" encoding="utf-8"?>
+<p:sld xmlns:a="http://schemas.openxmlformats.org/drawingml/2006/main" xmlns:r="http://schemas.openxmlformats.org/officeDocument/2006/relationships" xmlns:p="http://schemas.openxmlformats.org/presentationml/2006/main">
+  <p:cSld>
+    <p:bg>
+      <p:bgPr>
+        <a:solidFill>
+          <a:srgbClr val="1E1E1E"/>
+        </a:solidFill>
+        <a:effectLst/>
+      </p:bgPr>
+    </p:bg>
+    <p:spTree>
+      <p:nvGrpSpPr>
+        <p:cNvPr id="1" name=""/>
+        <p:cNvGrpSpPr/>
+        <p:nvPr/>
+      </p:nvGrpSpPr>
+      <p:grpSpPr>
+        <a:xfrm>
+          <a:off x="0" y="0"/>
+          <a:ext cx="0" cy="0"/>
+          <a:chOff x="0" y="0"/>
+          <a:chExt cx="0" cy="0"/>
+        </a:xfrm>
+      </p:grpSpPr>
+      <p:sp>
+        <p:nvSpPr>
+          <p:cNvPr id="2" name="Title 1"/>
+          <p:cNvSpPr>
+            <a:spLocks noGrp="1"/>
+          </p:cNvSpPr>
+          <p:nvPr>
+            <p:ph type="title"/>
+          </p:nvPr>
+        </p:nvSpPr>
+        <p:spPr/>
+        <p:txBody>
+          <a:bodyPr/>
+          <a:lstStyle/>
+          <a:p>
+            <a:endParaRPr/>
+          </a:p>
+        </p:txBody>
+      </p:sp>
+      <p:sp>
+        <p:nvSpPr>
+          <p:cNvPr id="3" name="TextBox 2"/>
+          <p:cNvSpPr txBox="1"/>
+          <p:nvPr/>
+        </p:nvSpPr>
+        <p:spPr>
+          <a:xfrm>
+            <a:off x="457200" y="274320"/>
+            <a:ext cx="5085688" cy="923330"/>
+          </a:xfrm>
+          <a:prstGeom prst="rect">
+            <a:avLst/>
+          </a:prstGeom>
+          <a:noFill/>
+        </p:spPr>
+        <p:txBody>
+          <a:bodyPr wrap="none">
+            <a:spAutoFit/>
+          </a:bodyPr>
+          <a:lstStyle/>
+          <a:p>
+            <a:endParaRPr dirty="0"/>
+          </a:p>
+          <a:p>
+            <a:pPr>
+              <a:defRPr sz="3600">
+                <a:solidFill>
+                  <a:srgbClr val="00C882"/>
+                </a:solidFill>
+              </a:defRPr>
+            </a:pPr>
+            <a:r>
+              <a:rPr lang="en-US" dirty="0"/>
+              <a:t>How does </a:t>
+            </a:r>
+            <a:r>
+              <a:rPr dirty="0"/>
+              <a:t>Git</a:t>
+            </a:r>
+            <a:r>
+              <a:rPr lang="en-US" dirty="0"/>
+              <a:t> really work</a:t>
+            </a:r>
+            <a:r>
+              <a:rPr dirty="0"/>
+              <a:t>?</a:t>
+            </a:r>
+          </a:p>
+        </p:txBody>
+      </p:sp>
+      <p:sp>
+        <p:nvSpPr>
+          <p:cNvPr id="4" name="TextBox 3"/>
+          <p:cNvSpPr txBox="1"/>
+          <p:nvPr/>
+        </p:nvSpPr>
+        <p:spPr>
+          <a:xfrm>
+            <a:off x="914400" y="1371600"/>
+            <a:ext cx="184731" cy="677108"/>
+          </a:xfrm>
+          <a:prstGeom prst="rect">
+            <a:avLst/>
+          </a:prstGeom>
+          <a:noFill/>
+        </p:spPr>
+        <p:txBody>
+          <a:bodyPr wrap="none">
+            <a:spAutoFit/>
+          </a:bodyPr>
+          <a:lstStyle/>
+          <a:p>
+            <a:endParaRPr dirty="0"/>
+          </a:p>
+          <a:p>
+            <a:pPr>
+              <a:defRPr sz="2000">
+                <a:solidFill>
+                  <a:srgbClr val="FFFFFF"/>
+                </a:solidFill>
+              </a:defRPr>
+            </a:pPr>
+            <a:endParaRPr dirty="0"/>
+          </a:p>
+        </p:txBody>
+      </p:sp>
+      <p:pic>
+        <p:nvPicPr>
+          <p:cNvPr id="5" name="Picture 4">
+            <a:extLst>
+              <a:ext uri="{FF2B5EF4-FFF2-40B4-BE49-F238E27FC236}">
+                <a16:creationId xmlns:a16="http://schemas.microsoft.com/office/drawing/2014/main" id="{11D54791-F2F4-451F-B20F-59AE6ACB4021}"/>
+              </a:ext>
+            </a:extLst>
+          </p:cNvPr>
+          <p:cNvPicPr>
+            <a:picLocks noChangeAspect="1"/>
+          </p:cNvPicPr>
+          <p:nvPr/>
+        </p:nvPicPr>
+        <p:blipFill>
+          <a:blip r:embed="rId2"/>
+          <a:stretch>
+            <a:fillRect/>
+          </a:stretch>
+        </p:blipFill>
+        <p:spPr>
+          <a:xfrm>
+            <a:off x="2912305" y="1584455"/>
+            <a:ext cx="3319389" cy="5273545"/>
+          </a:xfrm>
+          <a:prstGeom prst="rect">
+            <a:avLst/>
+          </a:prstGeom>
+        </p:spPr>
+      </p:pic>
+      <p:sp>
+        <p:nvSpPr>
+          <p:cNvPr id="7" name="TextBox 6">
+            <a:extLst>
+              <a:ext uri="{FF2B5EF4-FFF2-40B4-BE49-F238E27FC236}">
+                <a16:creationId xmlns:a16="http://schemas.microsoft.com/office/drawing/2014/main" id="{C4AC824C-6C92-4888-8F9F-7D457A2326B3}"/>
+              </a:ext>
+            </a:extLst>
+          </p:cNvPr>
+          <p:cNvSpPr txBox="1"/>
+          <p:nvPr/>
+        </p:nvSpPr>
+        <p:spPr>
+          <a:xfrm>
+            <a:off x="3200399" y="5164968"/>
+            <a:ext cx="2743200" cy="646331"/>
+          </a:xfrm>
+          <a:prstGeom prst="rect">
+            <a:avLst/>
+          </a:prstGeom>
+          <a:solidFill>
+            <a:schemeClr val="bg1"/>
+          </a:solidFill>
+          <a:ln>
+            <a:solidFill>
+              <a:schemeClr val="bg1"/>
+            </a:solidFill>
+          </a:ln>
+        </p:spPr>
+        <p:txBody>
+          <a:bodyPr wrap="square" rtlCol="0">
+            <a:spAutoFit/>
+          </a:bodyPr>
+          <a:lstStyle/>
+          <a:p>
+            <a:pPr algn="ctr"/>
+            <a:r>
+              <a:rPr lang="en-US" sz="3600" dirty="0"/>
+              <a:t>git commit</a:t>
+            </a:r>
+          </a:p>
+        </p:txBody>
+      </p:sp>
+    </p:spTree>
+    <p:extLst>
+      <p:ext uri="{BB962C8B-B14F-4D97-AF65-F5344CB8AC3E}">
+        <p14:creationId xmlns:p14="http://schemas.microsoft.com/office/powerpoint/2010/main" val="3643948418"/>
+      </p:ext>
+    </p:extLst>
+  </p:cSld>
+  <p:clrMapOvr>
+    <a:masterClrMapping/>
+  </p:clrMapOvr>
+  <p:timing>
+    <p:tnLst>
+      <p:par>
+        <p:cTn id="1" dur="indefinite" restart="never" nodeType="tmRoot">
+          <p:childTnLst>
+            <p:seq concurrent="1" nextAc="seek">
+              <p:cTn id="2" dur="indefinite" nodeType="mainSeq">
+                <p:childTnLst>
+                  <p:par>
+                    <p:cTn id="3" fill="hold">
+                      <p:stCondLst>
+                        <p:cond delay="indefinite"/>
+                      </p:stCondLst>
+                      <p:childTnLst>
+                        <p:par>
+                          <p:cTn id="4" fill="hold">
+                            <p:stCondLst>
+                              <p:cond delay="0"/>
+                            </p:stCondLst>
+                            <p:childTnLst>
+                              <p:par>
+                                <p:cTn id="5" presetID="1" presetClass="entr" presetSubtype="0" fill="hold" grpId="0" nodeType="clickEffect">
+                                  <p:stCondLst>
+                                    <p:cond delay="0"/>
+                                  </p:stCondLst>
+                                  <p:childTnLst>
+                                    <p:set>
+                                      <p:cBhvr>
+                                        <p:cTn id="6" dur="1" fill="hold">
+                                          <p:stCondLst>
+                                            <p:cond delay="0"/>
+                                          </p:stCondLst>
+                                        </p:cTn>
+                                        <p:tgtEl>
+                                          <p:spTgt spid="7"/>
+                                        </p:tgtEl>
+                                        <p:attrNameLst>
+                                          <p:attrName>style.visibility</p:attrName>
+                                        </p:attrNameLst>
+                                      </p:cBhvr>
+                                      <p:to>
+                                        <p:strVal val="visible"/>
+                                      </p:to>
+                                    </p:set>
+                                  </p:childTnLst>
+                                </p:cTn>
+                              </p:par>
+                            </p:childTnLst>
+                          </p:cTn>
+                        </p:par>
+                      </p:childTnLst>
+                    </p:cTn>
+                  </p:par>
+                </p:childTnLst>
+              </p:cTn>
+              <p:prevCondLst>
+                <p:cond evt="onPrev" delay="0">
+                  <p:tgtEl>
+                    <p:sldTgt/>
+                  </p:tgtEl>
+                </p:cond>
+              </p:prevCondLst>
+              <p:nextCondLst>
+                <p:cond evt="onNext" delay="0">
+                  <p:tgtEl>
+                    <p:sldTgt/>
+                  </p:tgtEl>
+                </p:cond>
+              </p:nextCondLst>
+            </p:seq>
+          </p:childTnLst>
+        </p:cTn>
+      </p:par>
+    </p:tnLst>
+    <p:bldLst>
+      <p:bldP spid="7" grpId="0"/>
+    </p:bldLst>
+  </p:timing>
+</p:sld>
+</file>
+
+<file path=ppt/slides/slide13.xml><?xml version="1.0" encoding="utf-8"?>
+<p:sld xmlns:a="http://schemas.openxmlformats.org/drawingml/2006/main" xmlns:r="http://schemas.openxmlformats.org/officeDocument/2006/relationships" xmlns:p="http://schemas.openxmlformats.org/presentationml/2006/main">
+  <p:cSld>
+    <p:bg>
+      <p:bgPr>
+        <a:solidFill>
+          <a:srgbClr val="1E1E1E"/>
+        </a:solidFill>
+        <a:effectLst/>
+      </p:bgPr>
+    </p:bg>
+    <p:spTree>
+      <p:nvGrpSpPr>
+        <p:cNvPr id="1" name=""/>
+        <p:cNvGrpSpPr/>
+        <p:nvPr/>
+      </p:nvGrpSpPr>
+      <p:grpSpPr>
+        <a:xfrm>
+          <a:off x="0" y="0"/>
+          <a:ext cx="0" cy="0"/>
+          <a:chOff x="0" y="0"/>
+          <a:chExt cx="0" cy="0"/>
+        </a:xfrm>
+      </p:grpSpPr>
+      <p:sp>
+        <p:nvSpPr>
+          <p:cNvPr id="2" name="Title 1"/>
+          <p:cNvSpPr>
+            <a:spLocks noGrp="1"/>
+          </p:cNvSpPr>
+          <p:nvPr>
+            <p:ph type="title"/>
+          </p:nvPr>
+        </p:nvSpPr>
+        <p:spPr/>
+        <p:txBody>
+          <a:bodyPr/>
+          <a:lstStyle/>
+          <a:p>
+            <a:endParaRPr/>
+          </a:p>
+        </p:txBody>
+      </p:sp>
+      <p:sp>
+        <p:nvSpPr>
+          <p:cNvPr id="3" name="TextBox 2"/>
+          <p:cNvSpPr txBox="1"/>
+          <p:nvPr/>
+        </p:nvSpPr>
+        <p:spPr>
+          <a:xfrm>
+            <a:off x="457200" y="274320"/>
+            <a:ext cx="5085688" cy="923330"/>
+          </a:xfrm>
+          <a:prstGeom prst="rect">
+            <a:avLst/>
+          </a:prstGeom>
+          <a:noFill/>
+        </p:spPr>
+        <p:txBody>
+          <a:bodyPr wrap="none">
+            <a:spAutoFit/>
+          </a:bodyPr>
+          <a:lstStyle/>
+          <a:p>
+            <a:endParaRPr dirty="0"/>
+          </a:p>
+          <a:p>
+            <a:pPr>
+              <a:defRPr sz="3600">
+                <a:solidFill>
+                  <a:srgbClr val="00C882"/>
+                </a:solidFill>
+              </a:defRPr>
+            </a:pPr>
+            <a:r>
+              <a:rPr lang="en-US" dirty="0"/>
+              <a:t>How does </a:t>
+            </a:r>
+            <a:r>
+              <a:rPr dirty="0"/>
+              <a:t>Git</a:t>
+            </a:r>
+            <a:r>
+              <a:rPr lang="en-US" dirty="0"/>
+              <a:t> really work</a:t>
+            </a:r>
+            <a:r>
+              <a:rPr dirty="0"/>
+              <a:t>?</a:t>
+            </a:r>
+          </a:p>
+        </p:txBody>
+      </p:sp>
+      <p:sp>
+        <p:nvSpPr>
+          <p:cNvPr id="4" name="TextBox 3"/>
+          <p:cNvSpPr txBox="1"/>
+          <p:nvPr/>
+        </p:nvSpPr>
+        <p:spPr>
+          <a:xfrm>
+            <a:off x="914400" y="1371600"/>
+            <a:ext cx="184731" cy="677108"/>
+          </a:xfrm>
+          <a:prstGeom prst="rect">
+            <a:avLst/>
+          </a:prstGeom>
+          <a:noFill/>
+        </p:spPr>
+        <p:txBody>
+          <a:bodyPr wrap="none">
+            <a:spAutoFit/>
+          </a:bodyPr>
+          <a:lstStyle/>
+          <a:p>
+            <a:endParaRPr dirty="0"/>
+          </a:p>
+          <a:p>
+            <a:pPr>
+              <a:defRPr sz="2000">
+                <a:solidFill>
+                  <a:srgbClr val="FFFFFF"/>
+                </a:solidFill>
+              </a:defRPr>
+            </a:pPr>
+            <a:endParaRPr dirty="0"/>
+          </a:p>
+        </p:txBody>
+      </p:sp>
+      <p:pic>
+        <p:nvPicPr>
+          <p:cNvPr id="5" name="Picture 4">
+            <a:extLst>
+              <a:ext uri="{FF2B5EF4-FFF2-40B4-BE49-F238E27FC236}">
+                <a16:creationId xmlns:a16="http://schemas.microsoft.com/office/drawing/2014/main" id="{5E02BE45-D33E-41D2-83B9-9889CA922D37}"/>
+              </a:ext>
+            </a:extLst>
+          </p:cNvPr>
+          <p:cNvPicPr>
+            <a:picLocks noChangeAspect="1"/>
+          </p:cNvPicPr>
+          <p:nvPr/>
+        </p:nvPicPr>
+        <p:blipFill>
+          <a:blip r:embed="rId2"/>
+          <a:stretch>
+            <a:fillRect/>
+          </a:stretch>
+        </p:blipFill>
+        <p:spPr>
+          <a:xfrm>
+            <a:off x="2733089" y="1554474"/>
+            <a:ext cx="3677822" cy="5303526"/>
+          </a:xfrm>
+          <a:prstGeom prst="rect">
+            <a:avLst/>
+          </a:prstGeom>
+        </p:spPr>
+      </p:pic>
+    </p:spTree>
+    <p:extLst>
+      <p:ext uri="{BB962C8B-B14F-4D97-AF65-F5344CB8AC3E}">
+        <p14:creationId xmlns:p14="http://schemas.microsoft.com/office/powerpoint/2010/main" val="867453793"/>
+      </p:ext>
+    </p:extLst>
+  </p:cSld>
+  <p:clrMapOvr>
+    <a:masterClrMapping/>
+  </p:clrMapOvr>
+</p:sld>
+</file>
+
+<file path=ppt/slides/slide14.xml><?xml version="1.0" encoding="utf-8"?>
+<p:sld xmlns:a="http://schemas.openxmlformats.org/drawingml/2006/main" xmlns:r="http://schemas.openxmlformats.org/officeDocument/2006/relationships" xmlns:p="http://schemas.openxmlformats.org/presentationml/2006/main">
+  <p:cSld>
+    <p:bg>
+      <p:bgPr>
+        <a:solidFill>
+          <a:srgbClr val="1E1E1E"/>
+        </a:solidFill>
+        <a:effectLst/>
+      </p:bgPr>
+    </p:bg>
+    <p:spTree>
+      <p:nvGrpSpPr>
+        <p:cNvPr id="1" name=""/>
+        <p:cNvGrpSpPr/>
+        <p:nvPr/>
+      </p:nvGrpSpPr>
+      <p:grpSpPr>
+        <a:xfrm>
+          <a:off x="0" y="0"/>
+          <a:ext cx="0" cy="0"/>
+          <a:chOff x="0" y="0"/>
+          <a:chExt cx="0" cy="0"/>
+        </a:xfrm>
+      </p:grpSpPr>
+      <p:sp>
+        <p:nvSpPr>
+          <p:cNvPr id="2" name="Title 1"/>
+          <p:cNvSpPr>
+            <a:spLocks noGrp="1"/>
+          </p:cNvSpPr>
+          <p:nvPr>
+            <p:ph type="title"/>
+          </p:nvPr>
+        </p:nvSpPr>
+        <p:spPr/>
+        <p:txBody>
+          <a:bodyPr/>
+          <a:lstStyle/>
+          <a:p>
+            <a:endParaRPr/>
+          </a:p>
+        </p:txBody>
+      </p:sp>
+      <p:sp>
+        <p:nvSpPr>
+          <p:cNvPr id="3" name="TextBox 2"/>
+          <p:cNvSpPr txBox="1"/>
+          <p:nvPr/>
+        </p:nvSpPr>
+        <p:spPr>
+          <a:xfrm>
+            <a:off x="457200" y="274320"/>
+            <a:ext cx="5085688" cy="923330"/>
+          </a:xfrm>
+          <a:prstGeom prst="rect">
+            <a:avLst/>
+          </a:prstGeom>
+          <a:noFill/>
+        </p:spPr>
+        <p:txBody>
+          <a:bodyPr wrap="none">
+            <a:spAutoFit/>
+          </a:bodyPr>
+          <a:lstStyle/>
+          <a:p>
+            <a:endParaRPr dirty="0"/>
+          </a:p>
+          <a:p>
+            <a:pPr>
+              <a:defRPr sz="3600">
+                <a:solidFill>
+                  <a:srgbClr val="00C882"/>
+                </a:solidFill>
+              </a:defRPr>
+            </a:pPr>
+            <a:r>
+              <a:rPr lang="en-US" dirty="0"/>
+              <a:t>How does </a:t>
+            </a:r>
+            <a:r>
+              <a:rPr dirty="0"/>
+              <a:t>Git</a:t>
+            </a:r>
+            <a:r>
+              <a:rPr lang="en-US" dirty="0"/>
+              <a:t> really work</a:t>
+            </a:r>
+            <a:r>
+              <a:rPr dirty="0"/>
+              <a:t>?</a:t>
+            </a:r>
+          </a:p>
+        </p:txBody>
+      </p:sp>
+      <p:sp>
+        <p:nvSpPr>
+          <p:cNvPr id="4" name="TextBox 3"/>
+          <p:cNvSpPr txBox="1"/>
+          <p:nvPr/>
+        </p:nvSpPr>
+        <p:spPr>
+          <a:xfrm>
+            <a:off x="914400" y="1371600"/>
+            <a:ext cx="184731" cy="677108"/>
+          </a:xfrm>
+          <a:prstGeom prst="rect">
+            <a:avLst/>
+          </a:prstGeom>
+          <a:noFill/>
+        </p:spPr>
+        <p:txBody>
+          <a:bodyPr wrap="none">
+            <a:spAutoFit/>
+          </a:bodyPr>
+          <a:lstStyle/>
+          <a:p>
+            <a:endParaRPr dirty="0"/>
+          </a:p>
+          <a:p>
+            <a:pPr>
+              <a:defRPr sz="2000">
+                <a:solidFill>
+                  <a:srgbClr val="FFFFFF"/>
+                </a:solidFill>
+              </a:defRPr>
+            </a:pPr>
+            <a:endParaRPr dirty="0"/>
+          </a:p>
+        </p:txBody>
+      </p:sp>
+      <p:pic>
+        <p:nvPicPr>
+          <p:cNvPr id="5" name="Picture 4">
+            <a:extLst>
+              <a:ext uri="{FF2B5EF4-FFF2-40B4-BE49-F238E27FC236}">
+                <a16:creationId xmlns:a16="http://schemas.microsoft.com/office/drawing/2014/main" id="{11D54791-F2F4-451F-B20F-59AE6ACB4021}"/>
+              </a:ext>
+            </a:extLst>
+          </p:cNvPr>
+          <p:cNvPicPr>
+            <a:picLocks noChangeAspect="1"/>
+          </p:cNvPicPr>
+          <p:nvPr/>
+        </p:nvPicPr>
+        <p:blipFill>
+          <a:blip r:embed="rId2"/>
+          <a:stretch>
+            <a:fillRect/>
+          </a:stretch>
+        </p:blipFill>
+        <p:spPr>
+          <a:xfrm>
+            <a:off x="2912305" y="1584455"/>
+            <a:ext cx="3319389" cy="5273545"/>
+          </a:xfrm>
+          <a:prstGeom prst="rect">
+            <a:avLst/>
+          </a:prstGeom>
+        </p:spPr>
+      </p:pic>
+      <p:sp>
+        <p:nvSpPr>
+          <p:cNvPr id="7" name="TextBox 6">
+            <a:extLst>
+              <a:ext uri="{FF2B5EF4-FFF2-40B4-BE49-F238E27FC236}">
+                <a16:creationId xmlns:a16="http://schemas.microsoft.com/office/drawing/2014/main" id="{C4AC824C-6C92-4888-8F9F-7D457A2326B3}"/>
+              </a:ext>
+            </a:extLst>
+          </p:cNvPr>
+          <p:cNvSpPr txBox="1"/>
+          <p:nvPr/>
+        </p:nvSpPr>
+        <p:spPr>
+          <a:xfrm>
+            <a:off x="3200399" y="5164968"/>
+            <a:ext cx="2743200" cy="646331"/>
+          </a:xfrm>
+          <a:prstGeom prst="rect">
+            <a:avLst/>
+          </a:prstGeom>
+          <a:solidFill>
+            <a:schemeClr val="bg1"/>
+          </a:solidFill>
+          <a:ln>
+            <a:solidFill>
+              <a:schemeClr val="bg1"/>
+            </a:solidFill>
+          </a:ln>
+        </p:spPr>
+        <p:txBody>
+          <a:bodyPr wrap="square" rtlCol="0">
+            <a:spAutoFit/>
+          </a:bodyPr>
+          <a:lstStyle/>
+          <a:p>
+            <a:pPr algn="ctr"/>
+            <a:r>
+              <a:rPr lang="en-US" sz="3600" dirty="0"/>
+              <a:t>git commit</a:t>
+            </a:r>
+          </a:p>
+        </p:txBody>
+      </p:sp>
+      <p:sp>
+        <p:nvSpPr>
+          <p:cNvPr id="8" name="TextBox 7">
+            <a:extLst>
+              <a:ext uri="{FF2B5EF4-FFF2-40B4-BE49-F238E27FC236}">
+                <a16:creationId xmlns:a16="http://schemas.microsoft.com/office/drawing/2014/main" id="{039F660B-ACF9-40DE-B8D7-EF8DF544E32C}"/>
+              </a:ext>
+            </a:extLst>
+          </p:cNvPr>
+          <p:cNvSpPr txBox="1"/>
+          <p:nvPr/>
+        </p:nvSpPr>
+        <p:spPr>
+          <a:xfrm>
+            <a:off x="2032313" y="4565695"/>
+            <a:ext cx="4798019" cy="584775"/>
+          </a:xfrm>
+          <a:prstGeom prst="rect">
+            <a:avLst/>
+          </a:prstGeom>
+          <a:solidFill>
+            <a:schemeClr val="bg1"/>
+          </a:solidFill>
+          <a:ln>
+            <a:solidFill>
+              <a:schemeClr val="bg1"/>
+            </a:solidFill>
+          </a:ln>
+        </p:spPr>
+        <p:txBody>
+          <a:bodyPr wrap="square" rtlCol="0">
+            <a:spAutoFit/>
+          </a:bodyPr>
+          <a:lstStyle/>
+          <a:p>
+            <a:pPr algn="ctr"/>
+            <a:r>
+              <a:rPr lang="en-US" sz="3200" dirty="0"/>
+              <a:t>git branch </a:t>
+            </a:r>
+            <a:r>
+              <a:rPr lang="en-US" sz="3200" dirty="0" err="1"/>
+              <a:t>newImage</a:t>
+            </a:r>
+            <a:endParaRPr lang="en-US" sz="3200" dirty="0"/>
+          </a:p>
+        </p:txBody>
+      </p:sp>
+    </p:spTree>
+    <p:extLst>
+      <p:ext uri="{BB962C8B-B14F-4D97-AF65-F5344CB8AC3E}">
+        <p14:creationId xmlns:p14="http://schemas.microsoft.com/office/powerpoint/2010/main" val="228546443"/>
+      </p:ext>
+    </p:extLst>
+  </p:cSld>
+  <p:clrMapOvr>
+    <a:masterClrMapping/>
+  </p:clrMapOvr>
+  <p:timing>
+    <p:tnLst>
+      <p:par>
+        <p:cTn id="1" dur="indefinite" restart="never" nodeType="tmRoot">
+          <p:childTnLst>
+            <p:seq concurrent="1" nextAc="seek">
+              <p:cTn id="2" dur="indefinite" nodeType="mainSeq">
+                <p:childTnLst>
+                  <p:par>
+                    <p:cTn id="3" fill="hold">
+                      <p:stCondLst>
+                        <p:cond delay="indefinite"/>
+                      </p:stCondLst>
+                      <p:childTnLst>
+                        <p:par>
+                          <p:cTn id="4" fill="hold">
+                            <p:stCondLst>
+                              <p:cond delay="0"/>
+                            </p:stCondLst>
+                            <p:childTnLst>
+                              <p:par>
+                                <p:cTn id="5" presetID="1" presetClass="entr" presetSubtype="0" fill="hold" grpId="0" nodeType="clickEffect">
+                                  <p:stCondLst>
+                                    <p:cond delay="0"/>
+                                  </p:stCondLst>
+                                  <p:childTnLst>
+                                    <p:set>
+                                      <p:cBhvr>
+                                        <p:cTn id="6" dur="1" fill="hold">
+                                          <p:stCondLst>
+                                            <p:cond delay="0"/>
+                                          </p:stCondLst>
+                                        </p:cTn>
+                                        <p:tgtEl>
+                                          <p:spTgt spid="8"/>
+                                        </p:tgtEl>
+                                        <p:attrNameLst>
+                                          <p:attrName>style.visibility</p:attrName>
+                                        </p:attrNameLst>
+                                      </p:cBhvr>
+                                      <p:to>
+                                        <p:strVal val="visible"/>
+                                      </p:to>
+                                    </p:set>
+                                  </p:childTnLst>
+                                </p:cTn>
+                              </p:par>
+                            </p:childTnLst>
+                          </p:cTn>
+                        </p:par>
+                      </p:childTnLst>
+                    </p:cTn>
+                  </p:par>
+                  <p:par>
+                    <p:cTn id="7" fill="hold">
+                      <p:stCondLst>
+                        <p:cond delay="indefinite"/>
+                      </p:stCondLst>
+                      <p:childTnLst>
+                        <p:par>
+                          <p:cTn id="8" fill="hold">
+                            <p:stCondLst>
+                              <p:cond delay="0"/>
+                            </p:stCondLst>
+                            <p:childTnLst>
+                              <p:par>
+                                <p:cTn id="9" presetID="1" presetClass="entr" presetSubtype="0" fill="hold" grpId="0" nodeType="clickEffect">
+                                  <p:stCondLst>
+                                    <p:cond delay="0"/>
+                                  </p:stCondLst>
+                                  <p:childTnLst>
+                                    <p:set>
+                                      <p:cBhvr>
+                                        <p:cTn id="10" dur="1" fill="hold">
+                                          <p:stCondLst>
+                                            <p:cond delay="0"/>
+                                          </p:stCondLst>
+                                        </p:cTn>
+                                        <p:tgtEl>
+                                          <p:spTgt spid="7"/>
+                                        </p:tgtEl>
+                                        <p:attrNameLst>
+                                          <p:attrName>style.visibility</p:attrName>
+                                        </p:attrNameLst>
+                                      </p:cBhvr>
+                                      <p:to>
+                                        <p:strVal val="visible"/>
+                                      </p:to>
+                                    </p:set>
+                                  </p:childTnLst>
+                                </p:cTn>
+                              </p:par>
+                            </p:childTnLst>
+                          </p:cTn>
+                        </p:par>
+                      </p:childTnLst>
+                    </p:cTn>
+                  </p:par>
+                </p:childTnLst>
+              </p:cTn>
+              <p:prevCondLst>
+                <p:cond evt="onPrev" delay="0">
+                  <p:tgtEl>
+                    <p:sldTgt/>
+                  </p:tgtEl>
+                </p:cond>
+              </p:prevCondLst>
+              <p:nextCondLst>
+                <p:cond evt="onNext" delay="0">
+                  <p:tgtEl>
+                    <p:sldTgt/>
+                  </p:tgtEl>
+                </p:cond>
+              </p:nextCondLst>
+            </p:seq>
+          </p:childTnLst>
+        </p:cTn>
+      </p:par>
+    </p:tnLst>
+    <p:bldLst>
+      <p:bldP spid="7" grpId="0" animBg="1"/>
+      <p:bldP spid="8" grpId="0" animBg="1"/>
+    </p:bldLst>
+  </p:timing>
+</p:sld>
+</file>
+
+<file path=ppt/slides/slide15.xml><?xml version="1.0" encoding="utf-8"?>
+<p:sld xmlns:a="http://schemas.openxmlformats.org/drawingml/2006/main" xmlns:r="http://schemas.openxmlformats.org/officeDocument/2006/relationships" xmlns:p="http://schemas.openxmlformats.org/presentationml/2006/main">
+  <p:cSld>
+    <p:bg>
+      <p:bgPr>
+        <a:solidFill>
+          <a:srgbClr val="1E1E1E"/>
+        </a:solidFill>
+        <a:effectLst/>
+      </p:bgPr>
+    </p:bg>
+    <p:spTree>
+      <p:nvGrpSpPr>
+        <p:cNvPr id="1" name=""/>
+        <p:cNvGrpSpPr/>
+        <p:nvPr/>
+      </p:nvGrpSpPr>
+      <p:grpSpPr>
+        <a:xfrm>
+          <a:off x="0" y="0"/>
+          <a:ext cx="0" cy="0"/>
+          <a:chOff x="0" y="0"/>
+          <a:chExt cx="0" cy="0"/>
+        </a:xfrm>
+      </p:grpSpPr>
+      <p:sp>
+        <p:nvSpPr>
+          <p:cNvPr id="2" name="Title 1"/>
+          <p:cNvSpPr>
+            <a:spLocks noGrp="1"/>
+          </p:cNvSpPr>
+          <p:nvPr>
+            <p:ph type="title"/>
+          </p:nvPr>
+        </p:nvSpPr>
+        <p:spPr/>
+        <p:txBody>
+          <a:bodyPr/>
+          <a:lstStyle/>
+          <a:p>
+            <a:endParaRPr/>
+          </a:p>
+        </p:txBody>
+      </p:sp>
+      <p:sp>
+        <p:nvSpPr>
+          <p:cNvPr id="3" name="TextBox 2"/>
+          <p:cNvSpPr txBox="1"/>
+          <p:nvPr/>
+        </p:nvSpPr>
+        <p:spPr>
+          <a:xfrm>
+            <a:off x="457200" y="274320"/>
+            <a:ext cx="5085688" cy="923330"/>
+          </a:xfrm>
+          <a:prstGeom prst="rect">
+            <a:avLst/>
+          </a:prstGeom>
+          <a:noFill/>
+        </p:spPr>
+        <p:txBody>
+          <a:bodyPr wrap="none">
+            <a:spAutoFit/>
+          </a:bodyPr>
+          <a:lstStyle/>
+          <a:p>
+            <a:endParaRPr dirty="0"/>
+          </a:p>
+          <a:p>
+            <a:pPr>
+              <a:defRPr sz="3600">
+                <a:solidFill>
+                  <a:srgbClr val="00C882"/>
+                </a:solidFill>
+              </a:defRPr>
+            </a:pPr>
+            <a:r>
+              <a:rPr lang="en-US" dirty="0"/>
+              <a:t>How does </a:t>
+            </a:r>
+            <a:r>
+              <a:rPr dirty="0"/>
+              <a:t>Git</a:t>
+            </a:r>
+            <a:r>
+              <a:rPr lang="en-US" dirty="0"/>
+              <a:t> really work</a:t>
+            </a:r>
+            <a:r>
+              <a:rPr dirty="0"/>
+              <a:t>?</a:t>
+            </a:r>
+          </a:p>
+        </p:txBody>
+      </p:sp>
+      <p:sp>
+        <p:nvSpPr>
+          <p:cNvPr id="4" name="TextBox 3"/>
+          <p:cNvSpPr txBox="1"/>
+          <p:nvPr/>
+        </p:nvSpPr>
+        <p:spPr>
+          <a:xfrm>
+            <a:off x="914400" y="1371600"/>
+            <a:ext cx="184731" cy="677108"/>
+          </a:xfrm>
+          <a:prstGeom prst="rect">
+            <a:avLst/>
+          </a:prstGeom>
+          <a:noFill/>
+        </p:spPr>
+        <p:txBody>
+          <a:bodyPr wrap="none">
+            <a:spAutoFit/>
+          </a:bodyPr>
+          <a:lstStyle/>
+          <a:p>
+            <a:endParaRPr dirty="0"/>
+          </a:p>
+          <a:p>
+            <a:pPr>
+              <a:defRPr sz="2000">
+                <a:solidFill>
+                  <a:srgbClr val="FFFFFF"/>
+                </a:solidFill>
+              </a:defRPr>
+            </a:pPr>
+            <a:endParaRPr dirty="0"/>
+          </a:p>
+        </p:txBody>
+      </p:sp>
+      <p:pic>
+        <p:nvPicPr>
+          <p:cNvPr id="7" name="Picture 6">
+            <a:extLst>
+              <a:ext uri="{FF2B5EF4-FFF2-40B4-BE49-F238E27FC236}">
+                <a16:creationId xmlns:a16="http://schemas.microsoft.com/office/drawing/2014/main" id="{419D4DD6-BFC9-421D-8DF6-1F2B0A13114B}"/>
+              </a:ext>
+            </a:extLst>
+          </p:cNvPr>
+          <p:cNvPicPr>
+            <a:picLocks noChangeAspect="1"/>
+          </p:cNvPicPr>
+          <p:nvPr/>
+        </p:nvPicPr>
+        <p:blipFill>
+          <a:blip r:embed="rId2"/>
+          <a:stretch>
+            <a:fillRect/>
+          </a:stretch>
+        </p:blipFill>
+        <p:spPr>
+          <a:xfrm>
+            <a:off x="2819472" y="1533524"/>
+            <a:ext cx="3505056" cy="5324475"/>
+          </a:xfrm>
+          <a:prstGeom prst="rect">
+            <a:avLst/>
+          </a:prstGeom>
+        </p:spPr>
+      </p:pic>
+    </p:spTree>
+    <p:extLst>
+      <p:ext uri="{BB962C8B-B14F-4D97-AF65-F5344CB8AC3E}">
+        <p14:creationId xmlns:p14="http://schemas.microsoft.com/office/powerpoint/2010/main" val="3648686997"/>
+      </p:ext>
+    </p:extLst>
+  </p:cSld>
+  <p:clrMapOvr>
+    <a:masterClrMapping/>
+  </p:clrMapOvr>
+</p:sld>
+</file>
+
+<file path=ppt/slides/slide16.xml><?xml version="1.0" encoding="utf-8"?>
+<p:sld xmlns:a="http://schemas.openxmlformats.org/drawingml/2006/main" xmlns:r="http://schemas.openxmlformats.org/officeDocument/2006/relationships" xmlns:p="http://schemas.openxmlformats.org/presentationml/2006/main">
+  <p:cSld>
+    <p:bg>
+      <p:bgPr>
+        <a:solidFill>
+          <a:srgbClr val="1E1E1E"/>
+        </a:solidFill>
+        <a:effectLst/>
+      </p:bgPr>
+    </p:bg>
+    <p:spTree>
+      <p:nvGrpSpPr>
+        <p:cNvPr id="1" name=""/>
+        <p:cNvGrpSpPr/>
+        <p:nvPr/>
+      </p:nvGrpSpPr>
+      <p:grpSpPr>
+        <a:xfrm>
+          <a:off x="0" y="0"/>
+          <a:ext cx="0" cy="0"/>
+          <a:chOff x="0" y="0"/>
+          <a:chExt cx="0" cy="0"/>
+        </a:xfrm>
+      </p:grpSpPr>
+      <p:sp>
+        <p:nvSpPr>
+          <p:cNvPr id="2" name="Title 1"/>
+          <p:cNvSpPr>
+            <a:spLocks noGrp="1"/>
+          </p:cNvSpPr>
+          <p:nvPr>
+            <p:ph type="title"/>
+          </p:nvPr>
+        </p:nvSpPr>
+        <p:spPr/>
+        <p:txBody>
+          <a:bodyPr/>
+          <a:lstStyle/>
+          <a:p>
+            <a:endParaRPr/>
+          </a:p>
+        </p:txBody>
+      </p:sp>
+      <p:sp>
+        <p:nvSpPr>
+          <p:cNvPr id="3" name="TextBox 2"/>
+          <p:cNvSpPr txBox="1"/>
+          <p:nvPr/>
+        </p:nvSpPr>
+        <p:spPr>
+          <a:xfrm>
+            <a:off x="457200" y="274320"/>
+            <a:ext cx="5085688" cy="923330"/>
+          </a:xfrm>
+          <a:prstGeom prst="rect">
+            <a:avLst/>
+          </a:prstGeom>
+          <a:noFill/>
+        </p:spPr>
+        <p:txBody>
+          <a:bodyPr wrap="none">
+            <a:spAutoFit/>
+          </a:bodyPr>
+          <a:lstStyle/>
+          <a:p>
+            <a:endParaRPr dirty="0"/>
+          </a:p>
+          <a:p>
+            <a:pPr>
+              <a:defRPr sz="3600">
+                <a:solidFill>
+                  <a:srgbClr val="00C882"/>
+                </a:solidFill>
+              </a:defRPr>
+            </a:pPr>
+            <a:r>
+              <a:rPr lang="en-US" dirty="0"/>
+              <a:t>How does </a:t>
+            </a:r>
+            <a:r>
+              <a:rPr dirty="0"/>
+              <a:t>Git</a:t>
+            </a:r>
+            <a:r>
+              <a:rPr lang="en-US" dirty="0"/>
+              <a:t> really work</a:t>
+            </a:r>
+            <a:r>
+              <a:rPr dirty="0"/>
+              <a:t>?</a:t>
+            </a:r>
+          </a:p>
+        </p:txBody>
+      </p:sp>
+      <p:sp>
+        <p:nvSpPr>
+          <p:cNvPr id="4" name="TextBox 3"/>
+          <p:cNvSpPr txBox="1"/>
+          <p:nvPr/>
+        </p:nvSpPr>
+        <p:spPr>
+          <a:xfrm>
+            <a:off x="914400" y="1371600"/>
+            <a:ext cx="184731" cy="677108"/>
+          </a:xfrm>
+          <a:prstGeom prst="rect">
+            <a:avLst/>
+          </a:prstGeom>
+          <a:noFill/>
+        </p:spPr>
+        <p:txBody>
+          <a:bodyPr wrap="none">
+            <a:spAutoFit/>
+          </a:bodyPr>
+          <a:lstStyle/>
+          <a:p>
+            <a:endParaRPr dirty="0"/>
+          </a:p>
+          <a:p>
+            <a:pPr>
+              <a:defRPr sz="2000">
+                <a:solidFill>
+                  <a:srgbClr val="FFFFFF"/>
+                </a:solidFill>
+              </a:defRPr>
+            </a:pPr>
+            <a:endParaRPr dirty="0"/>
+          </a:p>
+        </p:txBody>
+      </p:sp>
+      <p:pic>
+        <p:nvPicPr>
+          <p:cNvPr id="5" name="Picture 4">
+            <a:extLst>
+              <a:ext uri="{FF2B5EF4-FFF2-40B4-BE49-F238E27FC236}">
+                <a16:creationId xmlns:a16="http://schemas.microsoft.com/office/drawing/2014/main" id="{4919C2AD-AFD2-484E-A85C-38811DDB35AE}"/>
+              </a:ext>
+            </a:extLst>
+          </p:cNvPr>
+          <p:cNvPicPr>
+            <a:picLocks noChangeAspect="1"/>
+          </p:cNvPicPr>
+          <p:nvPr/>
+        </p:nvPicPr>
+        <p:blipFill>
+          <a:blip r:embed="rId2"/>
+          <a:stretch>
+            <a:fillRect/>
+          </a:stretch>
+        </p:blipFill>
+        <p:spPr>
+          <a:xfrm>
+            <a:off x="2458099" y="1543050"/>
+            <a:ext cx="4227801" cy="5314950"/>
+          </a:xfrm>
+          <a:prstGeom prst="rect">
+            <a:avLst/>
+          </a:prstGeom>
+        </p:spPr>
+      </p:pic>
+      <p:sp>
+        <p:nvSpPr>
+          <p:cNvPr id="8" name="TextBox 7">
+            <a:extLst>
+              <a:ext uri="{FF2B5EF4-FFF2-40B4-BE49-F238E27FC236}">
+                <a16:creationId xmlns:a16="http://schemas.microsoft.com/office/drawing/2014/main" id="{E4B38560-5A26-4B22-9E63-7BDF61BA6103}"/>
+              </a:ext>
+            </a:extLst>
+          </p:cNvPr>
+          <p:cNvSpPr txBox="1"/>
+          <p:nvPr/>
+        </p:nvSpPr>
+        <p:spPr>
+          <a:xfrm>
+            <a:off x="2271464" y="2708760"/>
+            <a:ext cx="4798019" cy="584775"/>
+          </a:xfrm>
+          <a:prstGeom prst="rect">
+            <a:avLst/>
+          </a:prstGeom>
+          <a:solidFill>
+            <a:schemeClr val="bg1"/>
+          </a:solidFill>
+          <a:ln>
+            <a:solidFill>
+              <a:schemeClr val="bg1"/>
+            </a:solidFill>
+          </a:ln>
+        </p:spPr>
+        <p:txBody>
+          <a:bodyPr wrap="square" rtlCol="0">
+            <a:spAutoFit/>
+          </a:bodyPr>
+          <a:lstStyle/>
+          <a:p>
+            <a:pPr algn="ctr"/>
+            <a:r>
+              <a:rPr lang="en-US" sz="3200" dirty="0"/>
+              <a:t>git merge </a:t>
+            </a:r>
+            <a:r>
+              <a:rPr lang="en-US" sz="3200" dirty="0" err="1"/>
+              <a:t>bugFix</a:t>
+            </a:r>
+            <a:endParaRPr lang="en-US" sz="3200" dirty="0"/>
+          </a:p>
+        </p:txBody>
+      </p:sp>
+    </p:spTree>
+    <p:extLst>
+      <p:ext uri="{BB962C8B-B14F-4D97-AF65-F5344CB8AC3E}">
+        <p14:creationId xmlns:p14="http://schemas.microsoft.com/office/powerpoint/2010/main" val="1808440314"/>
+      </p:ext>
+    </p:extLst>
+  </p:cSld>
+  <p:clrMapOvr>
+    <a:masterClrMapping/>
+  </p:clrMapOvr>
+  <p:timing>
+    <p:tnLst>
+      <p:par>
+        <p:cTn id="1" dur="indefinite" restart="never" nodeType="tmRoot">
+          <p:childTnLst>
+            <p:seq concurrent="1" nextAc="seek">
+              <p:cTn id="2" dur="indefinite" nodeType="mainSeq">
+                <p:childTnLst>
+                  <p:par>
+                    <p:cTn id="3" fill="hold">
+                      <p:stCondLst>
+                        <p:cond delay="indefinite"/>
+                      </p:stCondLst>
+                      <p:childTnLst>
+                        <p:par>
+                          <p:cTn id="4" fill="hold">
+                            <p:stCondLst>
+                              <p:cond delay="0"/>
+                            </p:stCondLst>
+                            <p:childTnLst>
+                              <p:par>
+                                <p:cTn id="5" presetID="1" presetClass="entr" presetSubtype="0" fill="hold" grpId="0" nodeType="clickEffect">
+                                  <p:stCondLst>
+                                    <p:cond delay="0"/>
+                                  </p:stCondLst>
+                                  <p:childTnLst>
+                                    <p:set>
+                                      <p:cBhvr>
+                                        <p:cTn id="6" dur="1" fill="hold">
+                                          <p:stCondLst>
+                                            <p:cond delay="0"/>
+                                          </p:stCondLst>
+                                        </p:cTn>
+                                        <p:tgtEl>
+                                          <p:spTgt spid="8"/>
+                                        </p:tgtEl>
+                                        <p:attrNameLst>
+                                          <p:attrName>style.visibility</p:attrName>
+                                        </p:attrNameLst>
+                                      </p:cBhvr>
+                                      <p:to>
+                                        <p:strVal val="visible"/>
+                                      </p:to>
+                                    </p:set>
+                                  </p:childTnLst>
+                                </p:cTn>
+                              </p:par>
+                            </p:childTnLst>
+                          </p:cTn>
+                        </p:par>
+                      </p:childTnLst>
+                    </p:cTn>
+                  </p:par>
+                </p:childTnLst>
+              </p:cTn>
+              <p:prevCondLst>
+                <p:cond evt="onPrev" delay="0">
+                  <p:tgtEl>
+                    <p:sldTgt/>
+                  </p:tgtEl>
+                </p:cond>
+              </p:prevCondLst>
+              <p:nextCondLst>
+                <p:cond evt="onNext" delay="0">
+                  <p:tgtEl>
+                    <p:sldTgt/>
+                  </p:tgtEl>
+                </p:cond>
+              </p:nextCondLst>
+            </p:seq>
+          </p:childTnLst>
+        </p:cTn>
+      </p:par>
+    </p:tnLst>
+    <p:bldLst>
+      <p:bldP spid="8" grpId="0" animBg="1"/>
+    </p:bldLst>
+  </p:timing>
+</p:sld>
+</file>
+
+<file path=ppt/slides/slide17.xml><?xml version="1.0" encoding="utf-8"?>
+<p:sld xmlns:a="http://schemas.openxmlformats.org/drawingml/2006/main" xmlns:r="http://schemas.openxmlformats.org/officeDocument/2006/relationships" xmlns:p="http://schemas.openxmlformats.org/presentationml/2006/main">
+  <p:cSld>
+    <p:bg>
+      <p:bgPr>
+        <a:solidFill>
+          <a:srgbClr val="1E1E1E"/>
+        </a:solidFill>
+        <a:effectLst/>
+      </p:bgPr>
+    </p:bg>
+    <p:spTree>
+      <p:nvGrpSpPr>
+        <p:cNvPr id="1" name=""/>
+        <p:cNvGrpSpPr/>
+        <p:nvPr/>
+      </p:nvGrpSpPr>
+      <p:grpSpPr>
+        <a:xfrm>
+          <a:off x="0" y="0"/>
+          <a:ext cx="0" cy="0"/>
+          <a:chOff x="0" y="0"/>
+          <a:chExt cx="0" cy="0"/>
+        </a:xfrm>
+      </p:grpSpPr>
+      <p:sp>
+        <p:nvSpPr>
+          <p:cNvPr id="2" name="Title 1"/>
+          <p:cNvSpPr>
+            <a:spLocks noGrp="1"/>
+          </p:cNvSpPr>
+          <p:nvPr>
+            <p:ph type="title"/>
+          </p:nvPr>
+        </p:nvSpPr>
+        <p:spPr/>
+        <p:txBody>
+          <a:bodyPr/>
+          <a:lstStyle/>
+          <a:p>
+            <a:endParaRPr/>
+          </a:p>
+        </p:txBody>
+      </p:sp>
+      <p:sp>
+        <p:nvSpPr>
+          <p:cNvPr id="3" name="TextBox 2"/>
+          <p:cNvSpPr txBox="1"/>
+          <p:nvPr/>
+        </p:nvSpPr>
+        <p:spPr>
+          <a:xfrm>
+            <a:off x="457200" y="274320"/>
+            <a:ext cx="5085688" cy="923330"/>
+          </a:xfrm>
+          <a:prstGeom prst="rect">
+            <a:avLst/>
+          </a:prstGeom>
+          <a:noFill/>
+        </p:spPr>
+        <p:txBody>
+          <a:bodyPr wrap="none">
+            <a:spAutoFit/>
+          </a:bodyPr>
+          <a:lstStyle/>
+          <a:p>
+            <a:endParaRPr dirty="0"/>
+          </a:p>
+          <a:p>
+            <a:pPr>
+              <a:defRPr sz="3600">
+                <a:solidFill>
+                  <a:srgbClr val="00C882"/>
+                </a:solidFill>
+              </a:defRPr>
+            </a:pPr>
+            <a:r>
+              <a:rPr lang="en-US" dirty="0"/>
+              <a:t>How does </a:t>
+            </a:r>
+            <a:r>
+              <a:rPr dirty="0"/>
+              <a:t>Git</a:t>
+            </a:r>
+            <a:r>
+              <a:rPr lang="en-US" dirty="0"/>
+              <a:t> really work</a:t>
+            </a:r>
+            <a:r>
+              <a:rPr dirty="0"/>
+              <a:t>?</a:t>
+            </a:r>
+          </a:p>
+        </p:txBody>
+      </p:sp>
+      <p:sp>
+        <p:nvSpPr>
+          <p:cNvPr id="4" name="TextBox 3"/>
+          <p:cNvSpPr txBox="1"/>
+          <p:nvPr/>
+        </p:nvSpPr>
+        <p:spPr>
+          <a:xfrm>
+            <a:off x="914400" y="1371600"/>
+            <a:ext cx="184731" cy="677108"/>
+          </a:xfrm>
+          <a:prstGeom prst="rect">
+            <a:avLst/>
+          </a:prstGeom>
+          <a:noFill/>
+        </p:spPr>
+        <p:txBody>
+          <a:bodyPr wrap="none">
+            <a:spAutoFit/>
+          </a:bodyPr>
+          <a:lstStyle/>
+          <a:p>
+            <a:endParaRPr dirty="0"/>
+          </a:p>
+          <a:p>
+            <a:pPr>
+              <a:defRPr sz="2000">
+                <a:solidFill>
+                  <a:srgbClr val="FFFFFF"/>
+                </a:solidFill>
+              </a:defRPr>
+            </a:pPr>
+            <a:endParaRPr dirty="0"/>
+          </a:p>
+        </p:txBody>
+      </p:sp>
+      <p:pic>
+        <p:nvPicPr>
+          <p:cNvPr id="7" name="Picture 6">
+            <a:extLst>
+              <a:ext uri="{FF2B5EF4-FFF2-40B4-BE49-F238E27FC236}">
+                <a16:creationId xmlns:a16="http://schemas.microsoft.com/office/drawing/2014/main" id="{F3511572-495D-4574-9209-205C5622623A}"/>
+              </a:ext>
+            </a:extLst>
+          </p:cNvPr>
+          <p:cNvPicPr>
+            <a:picLocks noChangeAspect="1"/>
+          </p:cNvPicPr>
+          <p:nvPr/>
+        </p:nvPicPr>
+        <p:blipFill>
+          <a:blip r:embed="rId2"/>
+          <a:stretch>
+            <a:fillRect/>
+          </a:stretch>
+        </p:blipFill>
+        <p:spPr>
+          <a:xfrm>
+            <a:off x="2618800" y="1533524"/>
+            <a:ext cx="3906399" cy="5324475"/>
+          </a:xfrm>
+          <a:prstGeom prst="rect">
+            <a:avLst/>
+          </a:prstGeom>
+        </p:spPr>
+      </p:pic>
+    </p:spTree>
+    <p:extLst>
+      <p:ext uri="{BB962C8B-B14F-4D97-AF65-F5344CB8AC3E}">
+        <p14:creationId xmlns:p14="http://schemas.microsoft.com/office/powerpoint/2010/main" val="1137559430"/>
+      </p:ext>
+    </p:extLst>
+  </p:cSld>
+  <p:clrMapOvr>
+    <a:masterClrMapping/>
+  </p:clrMapOvr>
+</p:sld>
+</file>
+
+<file path=ppt/slides/slide18.xml><?xml version="1.0" encoding="utf-8"?>
+<p:sld xmlns:a="http://schemas.openxmlformats.org/drawingml/2006/main" xmlns:r="http://schemas.openxmlformats.org/officeDocument/2006/relationships" xmlns:p="http://schemas.openxmlformats.org/presentationml/2006/main">
+  <p:cSld>
+    <p:bg>
+      <p:bgPr>
+        <a:solidFill>
+          <a:srgbClr val="1E1E1E"/>
+        </a:solidFill>
+        <a:effectLst/>
+      </p:bgPr>
+    </p:bg>
+    <p:spTree>
+      <p:nvGrpSpPr>
+        <p:cNvPr id="1" name=""/>
+        <p:cNvGrpSpPr/>
+        <p:nvPr/>
+      </p:nvGrpSpPr>
+      <p:grpSpPr>
+        <a:xfrm>
+          <a:off x="0" y="0"/>
+          <a:ext cx="0" cy="0"/>
+          <a:chOff x="0" y="0"/>
+          <a:chExt cx="0" cy="0"/>
+        </a:xfrm>
+      </p:grpSpPr>
+      <p:sp>
+        <p:nvSpPr>
+          <p:cNvPr id="2" name="Title 1"/>
+          <p:cNvSpPr>
+            <a:spLocks noGrp="1"/>
+          </p:cNvSpPr>
+          <p:nvPr>
+            <p:ph type="title"/>
+          </p:nvPr>
+        </p:nvSpPr>
+        <p:spPr/>
+        <p:txBody>
+          <a:bodyPr/>
+          <a:lstStyle/>
+          <a:p>
+            <a:endParaRPr/>
+          </a:p>
+        </p:txBody>
+      </p:sp>
+      <p:sp>
+        <p:nvSpPr>
+          <p:cNvPr id="3" name="TextBox 2"/>
+          <p:cNvSpPr txBox="1"/>
+          <p:nvPr/>
+        </p:nvSpPr>
+        <p:spPr>
+          <a:xfrm>
+            <a:off x="457200" y="274320"/>
+            <a:ext cx="5085688" cy="923330"/>
+          </a:xfrm>
+          <a:prstGeom prst="rect">
+            <a:avLst/>
+          </a:prstGeom>
+          <a:noFill/>
+        </p:spPr>
+        <p:txBody>
+          <a:bodyPr wrap="none">
+            <a:spAutoFit/>
+          </a:bodyPr>
+          <a:lstStyle/>
+          <a:p>
+            <a:endParaRPr dirty="0"/>
+          </a:p>
+          <a:p>
+            <a:pPr>
+              <a:defRPr sz="3600">
+                <a:solidFill>
+                  <a:srgbClr val="00C882"/>
+                </a:solidFill>
+              </a:defRPr>
+            </a:pPr>
+            <a:r>
+              <a:rPr lang="en-US" dirty="0"/>
+              <a:t>How does </a:t>
+            </a:r>
+            <a:r>
+              <a:rPr dirty="0"/>
+              <a:t>Git</a:t>
+            </a:r>
+            <a:r>
+              <a:rPr lang="en-US" dirty="0"/>
+              <a:t> really work</a:t>
+            </a:r>
+            <a:r>
+              <a:rPr dirty="0"/>
+              <a:t>?</a:t>
+            </a:r>
+          </a:p>
+        </p:txBody>
+      </p:sp>
+      <p:sp>
+        <p:nvSpPr>
+          <p:cNvPr id="4" name="TextBox 3"/>
+          <p:cNvSpPr txBox="1"/>
+          <p:nvPr/>
+        </p:nvSpPr>
+        <p:spPr>
+          <a:xfrm>
+            <a:off x="914400" y="1371600"/>
+            <a:ext cx="184731" cy="677108"/>
+          </a:xfrm>
+          <a:prstGeom prst="rect">
+            <a:avLst/>
+          </a:prstGeom>
+          <a:noFill/>
+        </p:spPr>
+        <p:txBody>
+          <a:bodyPr wrap="none">
+            <a:spAutoFit/>
+          </a:bodyPr>
+          <a:lstStyle/>
+          <a:p>
+            <a:endParaRPr dirty="0"/>
+          </a:p>
+          <a:p>
+            <a:pPr>
+              <a:defRPr sz="2000">
+                <a:solidFill>
+                  <a:srgbClr val="FFFFFF"/>
+                </a:solidFill>
+              </a:defRPr>
+            </a:pPr>
+            <a:endParaRPr dirty="0"/>
+          </a:p>
+        </p:txBody>
+      </p:sp>
+      <p:pic>
+        <p:nvPicPr>
+          <p:cNvPr id="7" name="Picture 6">
+            <a:extLst>
+              <a:ext uri="{FF2B5EF4-FFF2-40B4-BE49-F238E27FC236}">
+                <a16:creationId xmlns:a16="http://schemas.microsoft.com/office/drawing/2014/main" id="{F3511572-495D-4574-9209-205C5622623A}"/>
+              </a:ext>
+            </a:extLst>
+          </p:cNvPr>
+          <p:cNvPicPr>
+            <a:picLocks noChangeAspect="1"/>
+          </p:cNvPicPr>
+          <p:nvPr/>
+        </p:nvPicPr>
+        <p:blipFill>
+          <a:blip r:embed="rId2"/>
+          <a:stretch>
+            <a:fillRect/>
+          </a:stretch>
+        </p:blipFill>
+        <p:spPr>
+          <a:xfrm>
+            <a:off x="2618800" y="1533524"/>
+            <a:ext cx="3906399" cy="5324475"/>
+          </a:xfrm>
+          <a:prstGeom prst="rect">
+            <a:avLst/>
+          </a:prstGeom>
+        </p:spPr>
+      </p:pic>
+      <p:sp>
+        <p:nvSpPr>
+          <p:cNvPr id="6" name="TextBox 5">
+            <a:extLst>
+              <a:ext uri="{FF2B5EF4-FFF2-40B4-BE49-F238E27FC236}">
+                <a16:creationId xmlns:a16="http://schemas.microsoft.com/office/drawing/2014/main" id="{3A5CCDE2-6962-4187-ADA5-236A3FA730EB}"/>
+              </a:ext>
+            </a:extLst>
+          </p:cNvPr>
+          <p:cNvSpPr txBox="1"/>
+          <p:nvPr/>
+        </p:nvSpPr>
+        <p:spPr>
+          <a:xfrm>
+            <a:off x="2271464" y="2042403"/>
+            <a:ext cx="4798019" cy="584775"/>
+          </a:xfrm>
+          <a:prstGeom prst="rect">
+            <a:avLst/>
+          </a:prstGeom>
+          <a:solidFill>
+            <a:schemeClr val="bg1"/>
+          </a:solidFill>
+          <a:ln>
+            <a:solidFill>
+              <a:schemeClr val="bg1"/>
+            </a:solidFill>
+          </a:ln>
+        </p:spPr>
+        <p:txBody>
+          <a:bodyPr wrap="square" rtlCol="0">
+            <a:spAutoFit/>
+          </a:bodyPr>
+          <a:lstStyle/>
+          <a:p>
+            <a:pPr algn="ctr"/>
+            <a:r>
+              <a:rPr lang="en-US" sz="3200" dirty="0"/>
+              <a:t>git checkout </a:t>
+            </a:r>
+            <a:r>
+              <a:rPr lang="en-US" sz="3200" dirty="0" err="1"/>
+              <a:t>bugFix</a:t>
+            </a:r>
+            <a:endParaRPr lang="en-US" sz="3200" dirty="0"/>
+          </a:p>
+        </p:txBody>
+      </p:sp>
+      <p:sp>
+        <p:nvSpPr>
+          <p:cNvPr id="8" name="TextBox 7">
+            <a:extLst>
+              <a:ext uri="{FF2B5EF4-FFF2-40B4-BE49-F238E27FC236}">
+                <a16:creationId xmlns:a16="http://schemas.microsoft.com/office/drawing/2014/main" id="{278A7EEA-DF45-41DB-B61C-1CD4CBFFFAA7}"/>
+              </a:ext>
+            </a:extLst>
+          </p:cNvPr>
+          <p:cNvSpPr txBox="1"/>
+          <p:nvPr/>
+        </p:nvSpPr>
+        <p:spPr>
+          <a:xfrm>
+            <a:off x="2271464" y="2708760"/>
+            <a:ext cx="4798019" cy="584775"/>
+          </a:xfrm>
+          <a:prstGeom prst="rect">
+            <a:avLst/>
+          </a:prstGeom>
+          <a:solidFill>
+            <a:schemeClr val="bg1"/>
+          </a:solidFill>
+          <a:ln>
+            <a:solidFill>
+              <a:schemeClr val="bg1"/>
+            </a:solidFill>
+          </a:ln>
+        </p:spPr>
+        <p:txBody>
+          <a:bodyPr wrap="square" rtlCol="0">
+            <a:spAutoFit/>
+          </a:bodyPr>
+          <a:lstStyle/>
+          <a:p>
+            <a:pPr algn="ctr"/>
+            <a:r>
+              <a:rPr lang="en-US" sz="3200" dirty="0"/>
+              <a:t>git merge main</a:t>
+            </a:r>
+          </a:p>
+        </p:txBody>
+      </p:sp>
+    </p:spTree>
+    <p:extLst>
+      <p:ext uri="{BB962C8B-B14F-4D97-AF65-F5344CB8AC3E}">
+        <p14:creationId xmlns:p14="http://schemas.microsoft.com/office/powerpoint/2010/main" val="958485545"/>
+      </p:ext>
+    </p:extLst>
+  </p:cSld>
+  <p:clrMapOvr>
+    <a:masterClrMapping/>
+  </p:clrMapOvr>
+  <p:timing>
+    <p:tnLst>
+      <p:par>
+        <p:cTn id="1" dur="indefinite" restart="never" nodeType="tmRoot">
+          <p:childTnLst>
+            <p:seq concurrent="1" nextAc="seek">
+              <p:cTn id="2" dur="indefinite" nodeType="mainSeq">
+                <p:childTnLst>
+                  <p:par>
+                    <p:cTn id="3" fill="hold">
+                      <p:stCondLst>
+                        <p:cond delay="indefinite"/>
+                      </p:stCondLst>
+                      <p:childTnLst>
+                        <p:par>
+                          <p:cTn id="4" fill="hold">
+                            <p:stCondLst>
+                              <p:cond delay="0"/>
+                            </p:stCondLst>
+                            <p:childTnLst>
+                              <p:par>
+                                <p:cTn id="5" presetID="1" presetClass="entr" presetSubtype="0" fill="hold" grpId="0" nodeType="clickEffect">
+                                  <p:stCondLst>
+                                    <p:cond delay="0"/>
+                                  </p:stCondLst>
+                                  <p:childTnLst>
+                                    <p:set>
+                                      <p:cBhvr>
+                                        <p:cTn id="6" dur="1" fill="hold">
+                                          <p:stCondLst>
+                                            <p:cond delay="0"/>
+                                          </p:stCondLst>
+                                        </p:cTn>
+                                        <p:tgtEl>
+                                          <p:spTgt spid="6"/>
+                                        </p:tgtEl>
+                                        <p:attrNameLst>
+                                          <p:attrName>style.visibility</p:attrName>
+                                        </p:attrNameLst>
+                                      </p:cBhvr>
+                                      <p:to>
+                                        <p:strVal val="visible"/>
+                                      </p:to>
+                                    </p:set>
+                                  </p:childTnLst>
+                                </p:cTn>
+                              </p:par>
+                            </p:childTnLst>
+                          </p:cTn>
+                        </p:par>
+                      </p:childTnLst>
+                    </p:cTn>
+                  </p:par>
+                  <p:par>
+                    <p:cTn id="7" fill="hold">
+                      <p:stCondLst>
+                        <p:cond delay="indefinite"/>
+                      </p:stCondLst>
+                      <p:childTnLst>
+                        <p:par>
+                          <p:cTn id="8" fill="hold">
+                            <p:stCondLst>
+                              <p:cond delay="0"/>
+                            </p:stCondLst>
+                            <p:childTnLst>
+                              <p:par>
+                                <p:cTn id="9" presetID="1" presetClass="entr" presetSubtype="0" fill="hold" grpId="0" nodeType="clickEffect">
+                                  <p:stCondLst>
+                                    <p:cond delay="0"/>
+                                  </p:stCondLst>
+                                  <p:childTnLst>
+                                    <p:set>
+                                      <p:cBhvr>
+                                        <p:cTn id="10" dur="1" fill="hold">
+                                          <p:stCondLst>
+                                            <p:cond delay="0"/>
+                                          </p:stCondLst>
+                                        </p:cTn>
+                                        <p:tgtEl>
+                                          <p:spTgt spid="8"/>
+                                        </p:tgtEl>
+                                        <p:attrNameLst>
+                                          <p:attrName>style.visibility</p:attrName>
+                                        </p:attrNameLst>
+                                      </p:cBhvr>
+                                      <p:to>
+                                        <p:strVal val="visible"/>
+                                      </p:to>
+                                    </p:set>
+                                  </p:childTnLst>
+                                </p:cTn>
+                              </p:par>
+                            </p:childTnLst>
+                          </p:cTn>
+                        </p:par>
+                      </p:childTnLst>
+                    </p:cTn>
+                  </p:par>
+                </p:childTnLst>
+              </p:cTn>
+              <p:prevCondLst>
+                <p:cond evt="onPrev" delay="0">
+                  <p:tgtEl>
+                    <p:sldTgt/>
+                  </p:tgtEl>
+                </p:cond>
+              </p:prevCondLst>
+              <p:nextCondLst>
+                <p:cond evt="onNext" delay="0">
+                  <p:tgtEl>
+                    <p:sldTgt/>
+                  </p:tgtEl>
+                </p:cond>
+              </p:nextCondLst>
+            </p:seq>
+          </p:childTnLst>
+        </p:cTn>
+      </p:par>
+    </p:tnLst>
+    <p:bldLst>
+      <p:bldP spid="6" grpId="0" animBg="1"/>
+      <p:bldP spid="8" grpId="0" animBg="1"/>
+    </p:bldLst>
+  </p:timing>
+</p:sld>
+</file>
+
+<file path=ppt/slides/slide19.xml><?xml version="1.0" encoding="utf-8"?>
+<p:sld xmlns:a="http://schemas.openxmlformats.org/drawingml/2006/main" xmlns:r="http://schemas.openxmlformats.org/officeDocument/2006/relationships" xmlns:p="http://schemas.openxmlformats.org/presentationml/2006/main">
+  <p:cSld>
+    <p:bg>
+      <p:bgPr>
+        <a:solidFill>
+          <a:srgbClr val="1E1E1E"/>
+        </a:solidFill>
+        <a:effectLst/>
+      </p:bgPr>
+    </p:bg>
+    <p:spTree>
+      <p:nvGrpSpPr>
+        <p:cNvPr id="1" name=""/>
+        <p:cNvGrpSpPr/>
+        <p:nvPr/>
+      </p:nvGrpSpPr>
+      <p:grpSpPr>
+        <a:xfrm>
+          <a:off x="0" y="0"/>
+          <a:ext cx="0" cy="0"/>
+          <a:chOff x="0" y="0"/>
+          <a:chExt cx="0" cy="0"/>
+        </a:xfrm>
+      </p:grpSpPr>
+      <p:sp>
+        <p:nvSpPr>
+          <p:cNvPr id="2" name="Title 1"/>
+          <p:cNvSpPr>
+            <a:spLocks noGrp="1"/>
+          </p:cNvSpPr>
+          <p:nvPr>
+            <p:ph type="title"/>
+          </p:nvPr>
+        </p:nvSpPr>
+        <p:spPr/>
+        <p:txBody>
+          <a:bodyPr/>
+          <a:lstStyle/>
+          <a:p>
+            <a:endParaRPr/>
+          </a:p>
+        </p:txBody>
+      </p:sp>
+      <p:sp>
+        <p:nvSpPr>
+          <p:cNvPr id="3" name="TextBox 2"/>
+          <p:cNvSpPr txBox="1"/>
+          <p:nvPr/>
+        </p:nvSpPr>
+        <p:spPr>
+          <a:xfrm>
+            <a:off x="457200" y="274320"/>
+            <a:ext cx="5085688" cy="923330"/>
+          </a:xfrm>
+          <a:prstGeom prst="rect">
+            <a:avLst/>
+          </a:prstGeom>
+          <a:noFill/>
+        </p:spPr>
+        <p:txBody>
+          <a:bodyPr wrap="none">
+            <a:spAutoFit/>
+          </a:bodyPr>
+          <a:lstStyle/>
+          <a:p>
+            <a:endParaRPr dirty="0"/>
+          </a:p>
+          <a:p>
+            <a:pPr>
+              <a:defRPr sz="3600">
+                <a:solidFill>
+                  <a:srgbClr val="00C882"/>
+                </a:solidFill>
+              </a:defRPr>
+            </a:pPr>
+            <a:r>
+              <a:rPr lang="en-US" dirty="0"/>
+              <a:t>How does </a:t>
+            </a:r>
+            <a:r>
+              <a:rPr dirty="0"/>
+              <a:t>Git</a:t>
+            </a:r>
+            <a:r>
+              <a:rPr lang="en-US" dirty="0"/>
+              <a:t> really work</a:t>
+            </a:r>
+            <a:r>
+              <a:rPr dirty="0"/>
+              <a:t>?</a:t>
+            </a:r>
+          </a:p>
+        </p:txBody>
+      </p:sp>
+      <p:sp>
+        <p:nvSpPr>
+          <p:cNvPr id="4" name="TextBox 3"/>
+          <p:cNvSpPr txBox="1"/>
+          <p:nvPr/>
+        </p:nvSpPr>
+        <p:spPr>
+          <a:xfrm>
+            <a:off x="914400" y="1371600"/>
+            <a:ext cx="184731" cy="677108"/>
+          </a:xfrm>
+          <a:prstGeom prst="rect">
+            <a:avLst/>
+          </a:prstGeom>
+          <a:noFill/>
+        </p:spPr>
+        <p:txBody>
+          <a:bodyPr wrap="none">
+            <a:spAutoFit/>
+          </a:bodyPr>
+          <a:lstStyle/>
+          <a:p>
+            <a:endParaRPr dirty="0"/>
+          </a:p>
+          <a:p>
+            <a:pPr>
+              <a:defRPr sz="2000">
+                <a:solidFill>
+                  <a:srgbClr val="FFFFFF"/>
+                </a:solidFill>
+              </a:defRPr>
+            </a:pPr>
+            <a:endParaRPr dirty="0"/>
+          </a:p>
+        </p:txBody>
+      </p:sp>
+      <p:pic>
+        <p:nvPicPr>
+          <p:cNvPr id="5" name="Picture 4">
+            <a:extLst>
+              <a:ext uri="{FF2B5EF4-FFF2-40B4-BE49-F238E27FC236}">
+                <a16:creationId xmlns:a16="http://schemas.microsoft.com/office/drawing/2014/main" id="{93481D30-4317-4469-8489-62B948170142}"/>
+              </a:ext>
+            </a:extLst>
+          </p:cNvPr>
+          <p:cNvPicPr>
+            <a:picLocks noChangeAspect="1"/>
+          </p:cNvPicPr>
+          <p:nvPr/>
+        </p:nvPicPr>
+        <p:blipFill>
+          <a:blip r:embed="rId2"/>
+          <a:stretch>
+            <a:fillRect/>
+          </a:stretch>
+        </p:blipFill>
+        <p:spPr>
+          <a:xfrm>
+            <a:off x="2452577" y="1538287"/>
+            <a:ext cx="4238845" cy="5308585"/>
+          </a:xfrm>
+          <a:prstGeom prst="rect">
+            <a:avLst/>
+          </a:prstGeom>
+        </p:spPr>
+      </p:pic>
+    </p:spTree>
+    <p:extLst>
+      <p:ext uri="{BB962C8B-B14F-4D97-AF65-F5344CB8AC3E}">
+        <p14:creationId xmlns:p14="http://schemas.microsoft.com/office/powerpoint/2010/main" val="3626008126"/>
+      </p:ext>
+    </p:extLst>
   </p:cSld>
   <p:clrMapOvr>
     <a:masterClrMapping/>
@@ -3403,7 +5915,7 @@
         <p:spPr>
           <a:xfrm>
             <a:off x="457200" y="274320"/>
-            <a:ext cx="8229600" cy="914400"/>
+            <a:ext cx="4972772" cy="923330"/>
           </a:xfrm>
           <a:prstGeom prst="rect">
             <a:avLst/>
@@ -3416,7 +5928,7 @@
           </a:bodyPr>
           <a:lstStyle/>
           <a:p>
-            <a:endParaRPr/>
+            <a:endParaRPr dirty="0"/>
           </a:p>
           <a:p>
             <a:pPr>
@@ -3427,21 +5939,171 @@
               </a:defRPr>
             </a:pPr>
             <a:r>
-              <a:t>What is Git?</a:t>
-            </a:r>
-          </a:p>
-        </p:txBody>
-      </p:sp>
-      <p:sp>
-        <p:nvSpPr>
-          <p:cNvPr id="4" name="TextBox 3"/>
+              <a:rPr dirty="0"/>
+              <a:t>What</a:t>
+            </a:r>
+            <a:r>
+              <a:rPr lang="en-US" dirty="0"/>
+              <a:t> does “Git” refer to</a:t>
+            </a:r>
+            <a:r>
+              <a:rPr dirty="0"/>
+              <a:t>?</a:t>
+            </a:r>
+          </a:p>
+        </p:txBody>
+      </p:sp>
+      <p:sp>
+        <p:nvSpPr>
+          <p:cNvPr id="5" name="Rectangle 4">
+            <a:extLst>
+              <a:ext uri="{FF2B5EF4-FFF2-40B4-BE49-F238E27FC236}">
+                <a16:creationId xmlns:a16="http://schemas.microsoft.com/office/drawing/2014/main" id="{FD2F8515-1230-4A8C-80E5-C9B4AF8DA01D}"/>
+              </a:ext>
+            </a:extLst>
+          </p:cNvPr>
+          <p:cNvSpPr/>
+          <p:nvPr/>
+        </p:nvSpPr>
+        <p:spPr>
+          <a:xfrm>
+            <a:off x="457200" y="2114956"/>
+            <a:ext cx="5717784" cy="461665"/>
+          </a:xfrm>
+          <a:prstGeom prst="rect">
+            <a:avLst/>
+          </a:prstGeom>
+        </p:spPr>
+        <p:txBody>
+          <a:bodyPr wrap="none">
+            <a:spAutoFit/>
+          </a:bodyPr>
+          <a:lstStyle/>
+          <a:p>
+            <a:pPr>
+              <a:defRPr sz="2400">
+                <a:solidFill>
+                  <a:srgbClr val="FFFFFF"/>
+                </a:solidFill>
+              </a:defRPr>
+            </a:pPr>
+            <a:r>
+              <a:rPr lang="en-US" dirty="0"/>
+              <a:t>Linus Torvalds – The Creator of Linux and Git</a:t>
+            </a:r>
+          </a:p>
+        </p:txBody>
+      </p:sp>
+      <p:sp>
+        <p:nvSpPr>
+          <p:cNvPr id="6" name="Rectangle 5">
+            <a:extLst>
+              <a:ext uri="{FF2B5EF4-FFF2-40B4-BE49-F238E27FC236}">
+                <a16:creationId xmlns:a16="http://schemas.microsoft.com/office/drawing/2014/main" id="{7437BF4D-2939-4C34-A14F-3D2DAE91674D}"/>
+              </a:ext>
+            </a:extLst>
+          </p:cNvPr>
+          <p:cNvSpPr/>
+          <p:nvPr/>
+        </p:nvSpPr>
+        <p:spPr>
+          <a:xfrm>
+            <a:off x="457200" y="4504119"/>
+            <a:ext cx="8349402" cy="830997"/>
+          </a:xfrm>
+          <a:prstGeom prst="rect">
+            <a:avLst/>
+          </a:prstGeom>
+        </p:spPr>
+        <p:txBody>
+          <a:bodyPr wrap="none">
+            <a:spAutoFit/>
+          </a:bodyPr>
+          <a:lstStyle/>
+          <a:p>
+            <a:pPr>
+              <a:defRPr sz="2400">
+                <a:solidFill>
+                  <a:srgbClr val="FFFFFF"/>
+                </a:solidFill>
+              </a:defRPr>
+            </a:pPr>
+            <a:r>
+              <a:rPr lang="en-US" dirty="0"/>
+              <a:t>Linus referred to Git as “the stupid content tracker” while he was </a:t>
+            </a:r>
+            <a:br>
+              <a:rPr lang="en-US" dirty="0"/>
+            </a:br>
+            <a:r>
+              <a:rPr lang="en-US" dirty="0"/>
+              <a:t>working on it. Eventually he settled on the name “Git”.</a:t>
+            </a:r>
+          </a:p>
+        </p:txBody>
+      </p:sp>
+    </p:spTree>
+  </p:cSld>
+  <p:clrMapOvr>
+    <a:masterClrMapping/>
+  </p:clrMapOvr>
+</p:sld>
+</file>
+
+<file path=ppt/slides/slide20.xml><?xml version="1.0" encoding="utf-8"?>
+<p:sld xmlns:a="http://schemas.openxmlformats.org/drawingml/2006/main" xmlns:r="http://schemas.openxmlformats.org/officeDocument/2006/relationships" xmlns:p="http://schemas.openxmlformats.org/presentationml/2006/main">
+  <p:cSld>
+    <p:bg>
+      <p:bgPr>
+        <a:solidFill>
+          <a:srgbClr val="1E1E1E"/>
+        </a:solidFill>
+        <a:effectLst/>
+      </p:bgPr>
+    </p:bg>
+    <p:spTree>
+      <p:nvGrpSpPr>
+        <p:cNvPr id="1" name=""/>
+        <p:cNvGrpSpPr/>
+        <p:nvPr/>
+      </p:nvGrpSpPr>
+      <p:grpSpPr>
+        <a:xfrm>
+          <a:off x="0" y="0"/>
+          <a:ext cx="0" cy="0"/>
+          <a:chOff x="0" y="0"/>
+          <a:chExt cx="0" cy="0"/>
+        </a:xfrm>
+      </p:grpSpPr>
+      <p:sp>
+        <p:nvSpPr>
+          <p:cNvPr id="2" name="Title 1"/>
+          <p:cNvSpPr>
+            <a:spLocks noGrp="1"/>
+          </p:cNvSpPr>
+          <p:nvPr>
+            <p:ph type="title"/>
+          </p:nvPr>
+        </p:nvSpPr>
+        <p:spPr/>
+        <p:txBody>
+          <a:bodyPr/>
+          <a:lstStyle/>
+          <a:p>
+            <a:endParaRPr/>
+          </a:p>
+        </p:txBody>
+      </p:sp>
+      <p:sp>
+        <p:nvSpPr>
+          <p:cNvPr id="3" name="TextBox 2"/>
           <p:cNvSpPr txBox="1"/>
           <p:nvPr/>
         </p:nvSpPr>
         <p:spPr>
           <a:xfrm>
-            <a:off x="914400" y="1371600"/>
-            <a:ext cx="7315200" cy="4572000"/>
+            <a:off x="457200" y="274320"/>
+            <a:ext cx="4201535" cy="923330"/>
           </a:xfrm>
           <a:prstGeom prst="rect">
             <a:avLst/>
@@ -3454,6 +6116,254 @@
           </a:bodyPr>
           <a:lstStyle/>
           <a:p>
+            <a:endParaRPr dirty="0"/>
+          </a:p>
+          <a:p>
+            <a:pPr>
+              <a:defRPr sz="3600">
+                <a:solidFill>
+                  <a:srgbClr val="00C882"/>
+                </a:solidFill>
+              </a:defRPr>
+            </a:pPr>
+            <a:r>
+              <a:rPr dirty="0"/>
+              <a:t>Git</a:t>
+            </a:r>
+            <a:r>
+              <a:rPr lang="en-US" dirty="0"/>
+              <a:t> Remotes: </a:t>
+            </a:r>
+            <a:r>
+              <a:rPr lang="en-US" dirty="0" err="1"/>
+              <a:t>Github</a:t>
+            </a:r>
+            <a:r>
+              <a:rPr lang="en-US" dirty="0"/>
+              <a:t>?</a:t>
+            </a:r>
+            <a:endParaRPr dirty="0"/>
+          </a:p>
+        </p:txBody>
+      </p:sp>
+      <p:sp>
+        <p:nvSpPr>
+          <p:cNvPr id="5" name="TextBox 4">
+            <a:extLst>
+              <a:ext uri="{FF2B5EF4-FFF2-40B4-BE49-F238E27FC236}">
+                <a16:creationId xmlns:a16="http://schemas.microsoft.com/office/drawing/2014/main" id="{69F1FCFC-F535-44EB-8579-0F3D6F6C2ABD}"/>
+              </a:ext>
+            </a:extLst>
+          </p:cNvPr>
+          <p:cNvSpPr txBox="1"/>
+          <p:nvPr/>
+        </p:nvSpPr>
+        <p:spPr>
+          <a:xfrm>
+            <a:off x="647114" y="1702191"/>
+            <a:ext cx="8039686" cy="3416320"/>
+          </a:xfrm>
+          <a:prstGeom prst="rect">
+            <a:avLst/>
+          </a:prstGeom>
+          <a:noFill/>
+        </p:spPr>
+        <p:txBody>
+          <a:bodyPr wrap="square" rtlCol="0">
+            <a:spAutoFit/>
+          </a:bodyPr>
+          <a:lstStyle/>
+          <a:p>
+            <a:r>
+              <a:rPr lang="en-US" sz="2400" b="1" dirty="0">
+                <a:solidFill>
+                  <a:schemeClr val="bg1"/>
+                </a:solidFill>
+              </a:rPr>
+              <a:t>Remote repositories aren't actually that complicated.</a:t>
+            </a:r>
+          </a:p>
+          <a:p>
+            <a:endParaRPr lang="en-US" sz="2400" b="1" dirty="0">
+              <a:solidFill>
+                <a:schemeClr val="bg1"/>
+              </a:solidFill>
+            </a:endParaRPr>
+          </a:p>
+          <a:p>
+            <a:r>
+              <a:rPr lang="en-US" sz="2400" b="1" dirty="0">
+                <a:solidFill>
+                  <a:schemeClr val="bg1"/>
+                </a:solidFill>
+              </a:rPr>
+              <a:t>They are actually just copies of your repository on another computer.</a:t>
+            </a:r>
+          </a:p>
+          <a:p>
+            <a:endParaRPr lang="en-US" sz="2400" b="1" dirty="0">
+              <a:solidFill>
+                <a:schemeClr val="bg1"/>
+              </a:solidFill>
+            </a:endParaRPr>
+          </a:p>
+          <a:p>
+            <a:r>
+              <a:rPr lang="en-US" sz="2400" dirty="0">
+                <a:solidFill>
+                  <a:schemeClr val="bg1"/>
+                </a:solidFill>
+              </a:rPr>
+              <a:t>That being said, remote repositories have a bunch of great properties:</a:t>
+            </a:r>
+          </a:p>
+          <a:p>
+            <a:r>
+              <a:rPr lang="en-US" sz="2400" dirty="0">
+                <a:solidFill>
+                  <a:schemeClr val="bg1"/>
+                </a:solidFill>
+              </a:rPr>
+              <a:t>- First and foremost, remotes serve as a great backup!</a:t>
+            </a:r>
+          </a:p>
+          <a:p>
+            <a:r>
+              <a:rPr lang="en-US" sz="2400" b="1" dirty="0">
+                <a:solidFill>
+                  <a:schemeClr val="bg1"/>
+                </a:solidFill>
+              </a:rPr>
+              <a:t>- </a:t>
+            </a:r>
+            <a:r>
+              <a:rPr lang="en-US" sz="2400" dirty="0">
+                <a:solidFill>
+                  <a:schemeClr val="bg1"/>
+                </a:solidFill>
+              </a:rPr>
+              <a:t>More importantly, remotes make coding social!</a:t>
+            </a:r>
+            <a:endParaRPr lang="en-US" sz="2400" b="1" dirty="0">
+              <a:solidFill>
+                <a:schemeClr val="bg1"/>
+              </a:solidFill>
+            </a:endParaRPr>
+          </a:p>
+        </p:txBody>
+      </p:sp>
+    </p:spTree>
+  </p:cSld>
+  <p:clrMapOvr>
+    <a:masterClrMapping/>
+  </p:clrMapOvr>
+</p:sld>
+</file>
+
+<file path=ppt/slides/slide21.xml><?xml version="1.0" encoding="utf-8"?>
+<p:sld xmlns:a="http://schemas.openxmlformats.org/drawingml/2006/main" xmlns:r="http://schemas.openxmlformats.org/officeDocument/2006/relationships" xmlns:p="http://schemas.openxmlformats.org/presentationml/2006/main">
+  <p:cSld>
+    <p:bg>
+      <p:bgPr>
+        <a:solidFill>
+          <a:srgbClr val="1E1E1E"/>
+        </a:solidFill>
+        <a:effectLst/>
+      </p:bgPr>
+    </p:bg>
+    <p:spTree>
+      <p:nvGrpSpPr>
+        <p:cNvPr id="1" name=""/>
+        <p:cNvGrpSpPr/>
+        <p:nvPr/>
+      </p:nvGrpSpPr>
+      <p:grpSpPr>
+        <a:xfrm>
+          <a:off x="0" y="0"/>
+          <a:ext cx="0" cy="0"/>
+          <a:chOff x="0" y="0"/>
+          <a:chExt cx="0" cy="0"/>
+        </a:xfrm>
+      </p:grpSpPr>
+      <p:sp>
+        <p:nvSpPr>
+          <p:cNvPr id="2" name="Title 1"/>
+          <p:cNvSpPr>
+            <a:spLocks noGrp="1"/>
+          </p:cNvSpPr>
+          <p:nvPr>
+            <p:ph type="title"/>
+          </p:nvPr>
+        </p:nvSpPr>
+        <p:spPr/>
+        <p:txBody>
+          <a:bodyPr/>
+          <a:lstStyle/>
+          <a:p>
+            <a:endParaRPr/>
+          </a:p>
+        </p:txBody>
+      </p:sp>
+      <p:sp>
+        <p:nvSpPr>
+          <p:cNvPr id="3" name="TextBox 2"/>
+          <p:cNvSpPr txBox="1"/>
+          <p:nvPr/>
+        </p:nvSpPr>
+        <p:spPr>
+          <a:xfrm>
+            <a:off x="457200" y="274320"/>
+            <a:ext cx="8229600" cy="914400"/>
+          </a:xfrm>
+          <a:prstGeom prst="rect">
+            <a:avLst/>
+          </a:prstGeom>
+          <a:noFill/>
+        </p:spPr>
+        <p:txBody>
+          <a:bodyPr wrap="none">
+            <a:spAutoFit/>
+          </a:bodyPr>
+          <a:lstStyle/>
+          <a:p>
+            <a:endParaRPr/>
+          </a:p>
+          <a:p>
+            <a:pPr>
+              <a:defRPr sz="3600">
+                <a:solidFill>
+                  <a:srgbClr val="00C882"/>
+                </a:solidFill>
+              </a:defRPr>
+            </a:pPr>
+            <a:r>
+              <a:t>Why Use Git?</a:t>
+            </a:r>
+          </a:p>
+        </p:txBody>
+      </p:sp>
+      <p:sp>
+        <p:nvSpPr>
+          <p:cNvPr id="4" name="TextBox 3"/>
+          <p:cNvSpPr txBox="1"/>
+          <p:nvPr/>
+        </p:nvSpPr>
+        <p:spPr>
+          <a:xfrm>
+            <a:off x="914400" y="1371600"/>
+            <a:ext cx="7315200" cy="4572000"/>
+          </a:xfrm>
+          <a:prstGeom prst="rect">
+            <a:avLst/>
+          </a:prstGeom>
+          <a:noFill/>
+        </p:spPr>
+        <p:txBody>
+          <a:bodyPr wrap="none">
+            <a:spAutoFit/>
+          </a:bodyPr>
+          <a:lstStyle/>
+          <a:p>
             <a:endParaRPr/>
           </a:p>
           <a:p>
@@ -3465,7 +6375,7 @@
               </a:defRPr>
             </a:pPr>
             <a:r>
-              <a:t>• Distributed version control system</a:t>
+              <a:t>• Collaborate with team members</a:t>
             </a:r>
           </a:p>
           <a:p>
@@ -3477,7 +6387,7 @@
               </a:defRPr>
             </a:pPr>
             <a:r>
-              <a:t>• Tracks changes in source code</a:t>
+              <a:t>• Track and revert changes</a:t>
             </a:r>
           </a:p>
           <a:p>
@@ -3489,7 +6399,1037 @@
               </a:defRPr>
             </a:pPr>
             <a:r>
-              <a:t>• Enables collaboration and backup</a:t>
+              <a:t>• Create branches to work on features</a:t>
+            </a:r>
+          </a:p>
+          <a:p>
+            <a:pPr>
+              <a:defRPr sz="2000">
+                <a:solidFill>
+                  <a:srgbClr val="FFFFFF"/>
+                </a:solidFill>
+              </a:defRPr>
+            </a:pPr>
+            <a:r>
+              <a:t>• Ensure backup and history</a:t>
+            </a:r>
+          </a:p>
+        </p:txBody>
+      </p:sp>
+    </p:spTree>
+  </p:cSld>
+  <p:clrMapOvr>
+    <a:masterClrMapping/>
+  </p:clrMapOvr>
+</p:sld>
+</file>
+
+<file path=ppt/slides/slide22.xml><?xml version="1.0" encoding="utf-8"?>
+<p:sld xmlns:a="http://schemas.openxmlformats.org/drawingml/2006/main" xmlns:r="http://schemas.openxmlformats.org/officeDocument/2006/relationships" xmlns:p="http://schemas.openxmlformats.org/presentationml/2006/main">
+  <p:cSld>
+    <p:bg>
+      <p:bgPr>
+        <a:solidFill>
+          <a:srgbClr val="1E1E1E"/>
+        </a:solidFill>
+        <a:effectLst/>
+      </p:bgPr>
+    </p:bg>
+    <p:spTree>
+      <p:nvGrpSpPr>
+        <p:cNvPr id="1" name=""/>
+        <p:cNvGrpSpPr/>
+        <p:nvPr/>
+      </p:nvGrpSpPr>
+      <p:grpSpPr>
+        <a:xfrm>
+          <a:off x="0" y="0"/>
+          <a:ext cx="0" cy="0"/>
+          <a:chOff x="0" y="0"/>
+          <a:chExt cx="0" cy="0"/>
+        </a:xfrm>
+      </p:grpSpPr>
+      <p:sp>
+        <p:nvSpPr>
+          <p:cNvPr id="2" name="Title 1"/>
+          <p:cNvSpPr>
+            <a:spLocks noGrp="1"/>
+          </p:cNvSpPr>
+          <p:nvPr>
+            <p:ph type="title"/>
+          </p:nvPr>
+        </p:nvSpPr>
+        <p:spPr/>
+        <p:txBody>
+          <a:bodyPr/>
+          <a:lstStyle/>
+          <a:p>
+            <a:endParaRPr/>
+          </a:p>
+        </p:txBody>
+      </p:sp>
+      <p:sp>
+        <p:nvSpPr>
+          <p:cNvPr id="3" name="TextBox 2"/>
+          <p:cNvSpPr txBox="1"/>
+          <p:nvPr/>
+        </p:nvSpPr>
+        <p:spPr>
+          <a:xfrm>
+            <a:off x="457200" y="274320"/>
+            <a:ext cx="8229600" cy="914400"/>
+          </a:xfrm>
+          <a:prstGeom prst="rect">
+            <a:avLst/>
+          </a:prstGeom>
+          <a:noFill/>
+        </p:spPr>
+        <p:txBody>
+          <a:bodyPr wrap="none">
+            <a:spAutoFit/>
+          </a:bodyPr>
+          <a:lstStyle/>
+          <a:p>
+            <a:endParaRPr/>
+          </a:p>
+          <a:p>
+            <a:pPr>
+              <a:defRPr sz="3600">
+                <a:solidFill>
+                  <a:srgbClr val="00C882"/>
+                </a:solidFill>
+              </a:defRPr>
+            </a:pPr>
+            <a:r>
+              <a:t>Basic Git Workflow</a:t>
+            </a:r>
+          </a:p>
+        </p:txBody>
+      </p:sp>
+      <p:sp>
+        <p:nvSpPr>
+          <p:cNvPr id="4" name="TextBox 3"/>
+          <p:cNvSpPr txBox="1"/>
+          <p:nvPr/>
+        </p:nvSpPr>
+        <p:spPr>
+          <a:xfrm>
+            <a:off x="914400" y="1371600"/>
+            <a:ext cx="7315200" cy="4572000"/>
+          </a:xfrm>
+          <a:prstGeom prst="rect">
+            <a:avLst/>
+          </a:prstGeom>
+          <a:noFill/>
+        </p:spPr>
+        <p:txBody>
+          <a:bodyPr wrap="none">
+            <a:spAutoFit/>
+          </a:bodyPr>
+          <a:lstStyle/>
+          <a:p>
+            <a:endParaRPr/>
+          </a:p>
+          <a:p>
+            <a:pPr>
+              <a:defRPr sz="2000">
+                <a:solidFill>
+                  <a:srgbClr val="FFFFFF"/>
+                </a:solidFill>
+              </a:defRPr>
+            </a:pPr>
+            <a:r>
+              <a:t>1. Modify files in Working Directory</a:t>
+            </a:r>
+          </a:p>
+          <a:p>
+            <a:pPr>
+              <a:defRPr sz="2000">
+                <a:solidFill>
+                  <a:srgbClr val="FFFFFF"/>
+                </a:solidFill>
+              </a:defRPr>
+            </a:pPr>
+            <a:r>
+              <a:t>2. Stage changes with `git add`</a:t>
+            </a:r>
+          </a:p>
+          <a:p>
+            <a:pPr>
+              <a:defRPr sz="2000">
+                <a:solidFill>
+                  <a:srgbClr val="FFFFFF"/>
+                </a:solidFill>
+              </a:defRPr>
+            </a:pPr>
+            <a:r>
+              <a:t>3. Commit changes with `git commit`</a:t>
+            </a:r>
+          </a:p>
+          <a:p>
+            <a:pPr>
+              <a:defRPr sz="2000">
+                <a:solidFill>
+                  <a:srgbClr val="FFFFFF"/>
+                </a:solidFill>
+              </a:defRPr>
+            </a:pPr>
+            <a:r>
+              <a:t>4. Push to remote repository with `git push`</a:t>
+            </a:r>
+          </a:p>
+        </p:txBody>
+      </p:sp>
+    </p:spTree>
+  </p:cSld>
+  <p:clrMapOvr>
+    <a:masterClrMapping/>
+  </p:clrMapOvr>
+</p:sld>
+</file>
+
+<file path=ppt/slides/slide23.xml><?xml version="1.0" encoding="utf-8"?>
+<p:sld xmlns:a="http://schemas.openxmlformats.org/drawingml/2006/main" xmlns:r="http://schemas.openxmlformats.org/officeDocument/2006/relationships" xmlns:p="http://schemas.openxmlformats.org/presentationml/2006/main">
+  <p:cSld>
+    <p:bg>
+      <p:bgPr>
+        <a:solidFill>
+          <a:srgbClr val="1E1E1E"/>
+        </a:solidFill>
+        <a:effectLst/>
+      </p:bgPr>
+    </p:bg>
+    <p:spTree>
+      <p:nvGrpSpPr>
+        <p:cNvPr id="1" name=""/>
+        <p:cNvGrpSpPr/>
+        <p:nvPr/>
+      </p:nvGrpSpPr>
+      <p:grpSpPr>
+        <a:xfrm>
+          <a:off x="0" y="0"/>
+          <a:ext cx="0" cy="0"/>
+          <a:chOff x="0" y="0"/>
+          <a:chExt cx="0" cy="0"/>
+        </a:xfrm>
+      </p:grpSpPr>
+      <p:sp>
+        <p:nvSpPr>
+          <p:cNvPr id="2" name="Title 1"/>
+          <p:cNvSpPr>
+            <a:spLocks noGrp="1"/>
+          </p:cNvSpPr>
+          <p:nvPr>
+            <p:ph type="title"/>
+          </p:nvPr>
+        </p:nvSpPr>
+        <p:spPr/>
+        <p:txBody>
+          <a:bodyPr/>
+          <a:lstStyle/>
+          <a:p>
+            <a:endParaRPr/>
+          </a:p>
+        </p:txBody>
+      </p:sp>
+      <p:sp>
+        <p:nvSpPr>
+          <p:cNvPr id="3" name="TextBox 2"/>
+          <p:cNvSpPr txBox="1"/>
+          <p:nvPr/>
+        </p:nvSpPr>
+        <p:spPr>
+          <a:xfrm>
+            <a:off x="457200" y="274320"/>
+            <a:ext cx="8229600" cy="914400"/>
+          </a:xfrm>
+          <a:prstGeom prst="rect">
+            <a:avLst/>
+          </a:prstGeom>
+          <a:noFill/>
+        </p:spPr>
+        <p:txBody>
+          <a:bodyPr wrap="none">
+            <a:spAutoFit/>
+          </a:bodyPr>
+          <a:lstStyle/>
+          <a:p>
+            <a:endParaRPr/>
+          </a:p>
+          <a:p>
+            <a:pPr>
+              <a:defRPr sz="3600">
+                <a:solidFill>
+                  <a:srgbClr val="00C882"/>
+                </a:solidFill>
+              </a:defRPr>
+            </a:pPr>
+            <a:r>
+              <a:t>Common Git Commands</a:t>
+            </a:r>
+          </a:p>
+        </p:txBody>
+      </p:sp>
+      <p:sp>
+        <p:nvSpPr>
+          <p:cNvPr id="4" name="TextBox 3"/>
+          <p:cNvSpPr txBox="1"/>
+          <p:nvPr/>
+        </p:nvSpPr>
+        <p:spPr>
+          <a:xfrm>
+            <a:off x="914400" y="1371600"/>
+            <a:ext cx="7315200" cy="4572000"/>
+          </a:xfrm>
+          <a:prstGeom prst="rect">
+            <a:avLst/>
+          </a:prstGeom>
+          <a:noFill/>
+        </p:spPr>
+        <p:txBody>
+          <a:bodyPr wrap="none">
+            <a:spAutoFit/>
+          </a:bodyPr>
+          <a:lstStyle/>
+          <a:p>
+            <a:endParaRPr/>
+          </a:p>
+          <a:p>
+            <a:pPr>
+              <a:defRPr sz="2000">
+                <a:solidFill>
+                  <a:srgbClr val="FFFFFF"/>
+                </a:solidFill>
+              </a:defRPr>
+            </a:pPr>
+            <a:r>
+              <a:t>`git init` - Initialize a Git repository</a:t>
+            </a:r>
+          </a:p>
+          <a:p>
+            <a:pPr>
+              <a:defRPr sz="2000">
+                <a:solidFill>
+                  <a:srgbClr val="FFFFFF"/>
+                </a:solidFill>
+              </a:defRPr>
+            </a:pPr>
+            <a:r>
+              <a:t>`git status` - Check status of changes</a:t>
+            </a:r>
+          </a:p>
+          <a:p>
+            <a:pPr>
+              <a:defRPr sz="2000">
+                <a:solidFill>
+                  <a:srgbClr val="FFFFFF"/>
+                </a:solidFill>
+              </a:defRPr>
+            </a:pPr>
+            <a:r>
+              <a:t>`git add &lt;file&gt;` - Stage a file</a:t>
+            </a:r>
+          </a:p>
+          <a:p>
+            <a:pPr>
+              <a:defRPr sz="2000">
+                <a:solidFill>
+                  <a:srgbClr val="FFFFFF"/>
+                </a:solidFill>
+              </a:defRPr>
+            </a:pPr>
+            <a:r>
+              <a:t>`git commit -m "message"` - Save changes</a:t>
+            </a:r>
+          </a:p>
+          <a:p>
+            <a:pPr>
+              <a:defRPr sz="2000">
+                <a:solidFill>
+                  <a:srgbClr val="FFFFFF"/>
+                </a:solidFill>
+              </a:defRPr>
+            </a:pPr>
+            <a:r>
+              <a:t>`git push` - Upload to remote repository</a:t>
+            </a:r>
+          </a:p>
+          <a:p>
+            <a:pPr>
+              <a:defRPr sz="2000">
+                <a:solidFill>
+                  <a:srgbClr val="FFFFFF"/>
+                </a:solidFill>
+              </a:defRPr>
+            </a:pPr>
+            <a:r>
+              <a:t>`git pull` - Get latest changes</a:t>
+            </a:r>
+          </a:p>
+        </p:txBody>
+      </p:sp>
+    </p:spTree>
+  </p:cSld>
+  <p:clrMapOvr>
+    <a:masterClrMapping/>
+  </p:clrMapOvr>
+</p:sld>
+</file>
+
+<file path=ppt/slides/slide24.xml><?xml version="1.0" encoding="utf-8"?>
+<p:sld xmlns:a="http://schemas.openxmlformats.org/drawingml/2006/main" xmlns:r="http://schemas.openxmlformats.org/officeDocument/2006/relationships" xmlns:p="http://schemas.openxmlformats.org/presentationml/2006/main">
+  <p:cSld>
+    <p:bg>
+      <p:bgPr>
+        <a:solidFill>
+          <a:srgbClr val="1E1E1E"/>
+        </a:solidFill>
+        <a:effectLst/>
+      </p:bgPr>
+    </p:bg>
+    <p:spTree>
+      <p:nvGrpSpPr>
+        <p:cNvPr id="1" name=""/>
+        <p:cNvGrpSpPr/>
+        <p:nvPr/>
+      </p:nvGrpSpPr>
+      <p:grpSpPr>
+        <a:xfrm>
+          <a:off x="0" y="0"/>
+          <a:ext cx="0" cy="0"/>
+          <a:chOff x="0" y="0"/>
+          <a:chExt cx="0" cy="0"/>
+        </a:xfrm>
+      </p:grpSpPr>
+      <p:sp>
+        <p:nvSpPr>
+          <p:cNvPr id="2" name="Title 1"/>
+          <p:cNvSpPr>
+            <a:spLocks noGrp="1"/>
+          </p:cNvSpPr>
+          <p:nvPr>
+            <p:ph type="title"/>
+          </p:nvPr>
+        </p:nvSpPr>
+        <p:spPr/>
+        <p:txBody>
+          <a:bodyPr/>
+          <a:lstStyle/>
+          <a:p>
+            <a:endParaRPr/>
+          </a:p>
+        </p:txBody>
+      </p:sp>
+      <p:sp>
+        <p:nvSpPr>
+          <p:cNvPr id="3" name="TextBox 2"/>
+          <p:cNvSpPr txBox="1"/>
+          <p:nvPr/>
+        </p:nvSpPr>
+        <p:spPr>
+          <a:xfrm>
+            <a:off x="457200" y="274320"/>
+            <a:ext cx="8229600" cy="914400"/>
+          </a:xfrm>
+          <a:prstGeom prst="rect">
+            <a:avLst/>
+          </a:prstGeom>
+          <a:noFill/>
+        </p:spPr>
+        <p:txBody>
+          <a:bodyPr wrap="none">
+            <a:spAutoFit/>
+          </a:bodyPr>
+          <a:lstStyle/>
+          <a:p>
+            <a:endParaRPr/>
+          </a:p>
+          <a:p>
+            <a:pPr>
+              <a:defRPr sz="3600">
+                <a:solidFill>
+                  <a:srgbClr val="00C882"/>
+                </a:solidFill>
+              </a:defRPr>
+            </a:pPr>
+            <a:r>
+              <a:t>Branching and Merging</a:t>
+            </a:r>
+          </a:p>
+        </p:txBody>
+      </p:sp>
+      <p:sp>
+        <p:nvSpPr>
+          <p:cNvPr id="4" name="TextBox 3"/>
+          <p:cNvSpPr txBox="1"/>
+          <p:nvPr/>
+        </p:nvSpPr>
+        <p:spPr>
+          <a:xfrm>
+            <a:off x="914400" y="1371600"/>
+            <a:ext cx="7315200" cy="4572000"/>
+          </a:xfrm>
+          <a:prstGeom prst="rect">
+            <a:avLst/>
+          </a:prstGeom>
+          <a:noFill/>
+        </p:spPr>
+        <p:txBody>
+          <a:bodyPr wrap="none">
+            <a:spAutoFit/>
+          </a:bodyPr>
+          <a:lstStyle/>
+          <a:p>
+            <a:endParaRPr/>
+          </a:p>
+          <a:p>
+            <a:pPr>
+              <a:defRPr sz="2000">
+                <a:solidFill>
+                  <a:srgbClr val="FFFFFF"/>
+                </a:solidFill>
+              </a:defRPr>
+            </a:pPr>
+            <a:r>
+              <a:t>• `git branch` - Create a new branch</a:t>
+            </a:r>
+          </a:p>
+          <a:p>
+            <a:pPr>
+              <a:defRPr sz="2000">
+                <a:solidFill>
+                  <a:srgbClr val="FFFFFF"/>
+                </a:solidFill>
+              </a:defRPr>
+            </a:pPr>
+            <a:r>
+              <a:t>• `git checkout` - Switch to a branch</a:t>
+            </a:r>
+          </a:p>
+          <a:p>
+            <a:pPr>
+              <a:defRPr sz="2000">
+                <a:solidFill>
+                  <a:srgbClr val="FFFFFF"/>
+                </a:solidFill>
+              </a:defRPr>
+            </a:pPr>
+            <a:r>
+              <a:t>• `git merge` - Combine branches</a:t>
+            </a:r>
+          </a:p>
+          <a:p>
+            <a:pPr>
+              <a:defRPr sz="2000">
+                <a:solidFill>
+                  <a:srgbClr val="FFFFFF"/>
+                </a:solidFill>
+              </a:defRPr>
+            </a:pPr>
+            <a:r>
+              <a:t>• Helps isolate work and collaborate</a:t>
+            </a:r>
+          </a:p>
+        </p:txBody>
+      </p:sp>
+    </p:spTree>
+  </p:cSld>
+  <p:clrMapOvr>
+    <a:masterClrMapping/>
+  </p:clrMapOvr>
+</p:sld>
+</file>
+
+<file path=ppt/slides/slide25.xml><?xml version="1.0" encoding="utf-8"?>
+<p:sld xmlns:a="http://schemas.openxmlformats.org/drawingml/2006/main" xmlns:r="http://schemas.openxmlformats.org/officeDocument/2006/relationships" xmlns:p="http://schemas.openxmlformats.org/presentationml/2006/main">
+  <p:cSld>
+    <p:bg>
+      <p:bgPr>
+        <a:solidFill>
+          <a:srgbClr val="1E1E1E"/>
+        </a:solidFill>
+        <a:effectLst/>
+      </p:bgPr>
+    </p:bg>
+    <p:spTree>
+      <p:nvGrpSpPr>
+        <p:cNvPr id="1" name=""/>
+        <p:cNvGrpSpPr/>
+        <p:nvPr/>
+      </p:nvGrpSpPr>
+      <p:grpSpPr>
+        <a:xfrm>
+          <a:off x="0" y="0"/>
+          <a:ext cx="0" cy="0"/>
+          <a:chOff x="0" y="0"/>
+          <a:chExt cx="0" cy="0"/>
+        </a:xfrm>
+      </p:grpSpPr>
+      <p:sp>
+        <p:nvSpPr>
+          <p:cNvPr id="2" name="Title 1"/>
+          <p:cNvSpPr>
+            <a:spLocks noGrp="1"/>
+          </p:cNvSpPr>
+          <p:nvPr>
+            <p:ph type="title"/>
+          </p:nvPr>
+        </p:nvSpPr>
+        <p:spPr/>
+        <p:txBody>
+          <a:bodyPr/>
+          <a:lstStyle/>
+          <a:p>
+            <a:endParaRPr/>
+          </a:p>
+        </p:txBody>
+      </p:sp>
+      <p:sp>
+        <p:nvSpPr>
+          <p:cNvPr id="3" name="TextBox 2"/>
+          <p:cNvSpPr txBox="1"/>
+          <p:nvPr/>
+        </p:nvSpPr>
+        <p:spPr>
+          <a:xfrm>
+            <a:off x="457200" y="274320"/>
+            <a:ext cx="8229600" cy="914400"/>
+          </a:xfrm>
+          <a:prstGeom prst="rect">
+            <a:avLst/>
+          </a:prstGeom>
+          <a:noFill/>
+        </p:spPr>
+        <p:txBody>
+          <a:bodyPr wrap="none">
+            <a:spAutoFit/>
+          </a:bodyPr>
+          <a:lstStyle/>
+          <a:p>
+            <a:endParaRPr/>
+          </a:p>
+          <a:p>
+            <a:pPr>
+              <a:defRPr sz="3600">
+                <a:solidFill>
+                  <a:srgbClr val="00C882"/>
+                </a:solidFill>
+              </a:defRPr>
+            </a:pPr>
+            <a:r>
+              <a:t>Example Workflow</a:t>
+            </a:r>
+          </a:p>
+        </p:txBody>
+      </p:sp>
+      <p:sp>
+        <p:nvSpPr>
+          <p:cNvPr id="4" name="TextBox 3"/>
+          <p:cNvSpPr txBox="1"/>
+          <p:nvPr/>
+        </p:nvSpPr>
+        <p:spPr>
+          <a:xfrm>
+            <a:off x="914400" y="1371600"/>
+            <a:ext cx="7315200" cy="4572000"/>
+          </a:xfrm>
+          <a:prstGeom prst="rect">
+            <a:avLst/>
+          </a:prstGeom>
+          <a:noFill/>
+        </p:spPr>
+        <p:txBody>
+          <a:bodyPr wrap="none">
+            <a:spAutoFit/>
+          </a:bodyPr>
+          <a:lstStyle/>
+          <a:p>
+            <a:endParaRPr/>
+          </a:p>
+          <a:p>
+            <a:pPr>
+              <a:defRPr sz="2000">
+                <a:solidFill>
+                  <a:srgbClr val="FFFFFF"/>
+                </a:solidFill>
+              </a:defRPr>
+            </a:pPr>
+            <a:r>
+              <a:t>1. `git clone` - Copy repository</a:t>
+            </a:r>
+          </a:p>
+          <a:p>
+            <a:pPr>
+              <a:defRPr sz="2000">
+                <a:solidFill>
+                  <a:srgbClr val="FFFFFF"/>
+                </a:solidFill>
+              </a:defRPr>
+            </a:pPr>
+            <a:r>
+              <a:t>2. `git checkout -b feature` - Create branch</a:t>
+            </a:r>
+          </a:p>
+          <a:p>
+            <a:pPr>
+              <a:defRPr sz="2000">
+                <a:solidFill>
+                  <a:srgbClr val="FFFFFF"/>
+                </a:solidFill>
+              </a:defRPr>
+            </a:pPr>
+            <a:r>
+              <a:t>3. `git add .` and `git commit` - Save work</a:t>
+            </a:r>
+          </a:p>
+          <a:p>
+            <a:pPr>
+              <a:defRPr sz="2000">
+                <a:solidFill>
+                  <a:srgbClr val="FFFFFF"/>
+                </a:solidFill>
+              </a:defRPr>
+            </a:pPr>
+            <a:r>
+              <a:t>4. `git push origin feature` - Push changes</a:t>
+            </a:r>
+          </a:p>
+          <a:p>
+            <a:pPr>
+              <a:defRPr sz="2000">
+                <a:solidFill>
+                  <a:srgbClr val="FFFFFF"/>
+                </a:solidFill>
+              </a:defRPr>
+            </a:pPr>
+            <a:r>
+              <a:t>5. Create Pull Request on GitHub</a:t>
+            </a:r>
+          </a:p>
+        </p:txBody>
+      </p:sp>
+    </p:spTree>
+  </p:cSld>
+  <p:clrMapOvr>
+    <a:masterClrMapping/>
+  </p:clrMapOvr>
+</p:sld>
+</file>
+
+<file path=ppt/slides/slide26.xml><?xml version="1.0" encoding="utf-8"?>
+<p:sld xmlns:a="http://schemas.openxmlformats.org/drawingml/2006/main" xmlns:r="http://schemas.openxmlformats.org/officeDocument/2006/relationships" xmlns:p="http://schemas.openxmlformats.org/presentationml/2006/main">
+  <p:cSld>
+    <p:bg>
+      <p:bgPr>
+        <a:solidFill>
+          <a:srgbClr val="1E1E1E"/>
+        </a:solidFill>
+        <a:effectLst/>
+      </p:bgPr>
+    </p:bg>
+    <p:spTree>
+      <p:nvGrpSpPr>
+        <p:cNvPr id="1" name=""/>
+        <p:cNvGrpSpPr/>
+        <p:nvPr/>
+      </p:nvGrpSpPr>
+      <p:grpSpPr>
+        <a:xfrm>
+          <a:off x="0" y="0"/>
+          <a:ext cx="0" cy="0"/>
+          <a:chOff x="0" y="0"/>
+          <a:chExt cx="0" cy="0"/>
+        </a:xfrm>
+      </p:grpSpPr>
+      <p:sp>
+        <p:nvSpPr>
+          <p:cNvPr id="2" name="Title 1"/>
+          <p:cNvSpPr>
+            <a:spLocks noGrp="1"/>
+          </p:cNvSpPr>
+          <p:nvPr>
+            <p:ph type="title"/>
+          </p:nvPr>
+        </p:nvSpPr>
+        <p:spPr/>
+        <p:txBody>
+          <a:bodyPr/>
+          <a:lstStyle/>
+          <a:p>
+            <a:endParaRPr/>
+          </a:p>
+        </p:txBody>
+      </p:sp>
+      <p:sp>
+        <p:nvSpPr>
+          <p:cNvPr id="3" name="TextBox 2"/>
+          <p:cNvSpPr txBox="1"/>
+          <p:nvPr/>
+        </p:nvSpPr>
+        <p:spPr>
+          <a:xfrm>
+            <a:off x="457200" y="274320"/>
+            <a:ext cx="8229600" cy="914400"/>
+          </a:xfrm>
+          <a:prstGeom prst="rect">
+            <a:avLst/>
+          </a:prstGeom>
+          <a:noFill/>
+        </p:spPr>
+        <p:txBody>
+          <a:bodyPr wrap="none">
+            <a:spAutoFit/>
+          </a:bodyPr>
+          <a:lstStyle/>
+          <a:p>
+            <a:endParaRPr/>
+          </a:p>
+          <a:p>
+            <a:pPr>
+              <a:defRPr sz="3600">
+                <a:solidFill>
+                  <a:srgbClr val="00C882"/>
+                </a:solidFill>
+              </a:defRPr>
+            </a:pPr>
+            <a:r>
+              <a:t>Best Practices</a:t>
+            </a:r>
+          </a:p>
+        </p:txBody>
+      </p:sp>
+      <p:sp>
+        <p:nvSpPr>
+          <p:cNvPr id="4" name="TextBox 3"/>
+          <p:cNvSpPr txBox="1"/>
+          <p:nvPr/>
+        </p:nvSpPr>
+        <p:spPr>
+          <a:xfrm>
+            <a:off x="914400" y="1371600"/>
+            <a:ext cx="7315200" cy="4572000"/>
+          </a:xfrm>
+          <a:prstGeom prst="rect">
+            <a:avLst/>
+          </a:prstGeom>
+          <a:noFill/>
+        </p:spPr>
+        <p:txBody>
+          <a:bodyPr wrap="none">
+            <a:spAutoFit/>
+          </a:bodyPr>
+          <a:lstStyle/>
+          <a:p>
+            <a:endParaRPr/>
+          </a:p>
+          <a:p>
+            <a:pPr>
+              <a:defRPr sz="2000">
+                <a:solidFill>
+                  <a:srgbClr val="FFFFFF"/>
+                </a:solidFill>
+              </a:defRPr>
+            </a:pPr>
+            <a:r>
+              <a:t>• Write clear commit messages</a:t>
+            </a:r>
+          </a:p>
+          <a:p>
+            <a:pPr>
+              <a:defRPr sz="2000">
+                <a:solidFill>
+                  <a:srgbClr val="FFFFFF"/>
+                </a:solidFill>
+              </a:defRPr>
+            </a:pPr>
+            <a:r>
+              <a:t>• Commit small, logical changes</a:t>
+            </a:r>
+          </a:p>
+          <a:p>
+            <a:pPr>
+              <a:defRPr sz="2000">
+                <a:solidFill>
+                  <a:srgbClr val="FFFFFF"/>
+                </a:solidFill>
+              </a:defRPr>
+            </a:pPr>
+            <a:r>
+              <a:t>• Pull before pushing</a:t>
+            </a:r>
+          </a:p>
+          <a:p>
+            <a:pPr>
+              <a:defRPr sz="2000">
+                <a:solidFill>
+                  <a:srgbClr val="FFFFFF"/>
+                </a:solidFill>
+              </a:defRPr>
+            </a:pPr>
+            <a:r>
+              <a:t>• Use `.gitignore` for sensitive files</a:t>
+            </a:r>
+          </a:p>
+        </p:txBody>
+      </p:sp>
+    </p:spTree>
+  </p:cSld>
+  <p:clrMapOvr>
+    <a:masterClrMapping/>
+  </p:clrMapOvr>
+</p:sld>
+</file>
+
+<file path=ppt/slides/slide27.xml><?xml version="1.0" encoding="utf-8"?>
+<p:sld xmlns:a="http://schemas.openxmlformats.org/drawingml/2006/main" xmlns:r="http://schemas.openxmlformats.org/officeDocument/2006/relationships" xmlns:p="http://schemas.openxmlformats.org/presentationml/2006/main">
+  <p:cSld>
+    <p:bg>
+      <p:bgPr>
+        <a:solidFill>
+          <a:srgbClr val="1E1E1E"/>
+        </a:solidFill>
+        <a:effectLst/>
+      </p:bgPr>
+    </p:bg>
+    <p:spTree>
+      <p:nvGrpSpPr>
+        <p:cNvPr id="1" name=""/>
+        <p:cNvGrpSpPr/>
+        <p:nvPr/>
+      </p:nvGrpSpPr>
+      <p:grpSpPr>
+        <a:xfrm>
+          <a:off x="0" y="0"/>
+          <a:ext cx="0" cy="0"/>
+          <a:chOff x="0" y="0"/>
+          <a:chExt cx="0" cy="0"/>
+        </a:xfrm>
+      </p:grpSpPr>
+      <p:sp>
+        <p:nvSpPr>
+          <p:cNvPr id="2" name="Title 1"/>
+          <p:cNvSpPr>
+            <a:spLocks noGrp="1"/>
+          </p:cNvSpPr>
+          <p:nvPr>
+            <p:ph type="title"/>
+          </p:nvPr>
+        </p:nvSpPr>
+        <p:spPr/>
+        <p:txBody>
+          <a:bodyPr/>
+          <a:lstStyle/>
+          <a:p>
+            <a:endParaRPr/>
+          </a:p>
+        </p:txBody>
+      </p:sp>
+      <p:sp>
+        <p:nvSpPr>
+          <p:cNvPr id="3" name="TextBox 2"/>
+          <p:cNvSpPr txBox="1"/>
+          <p:nvPr/>
+        </p:nvSpPr>
+        <p:spPr>
+          <a:xfrm>
+            <a:off x="457200" y="274320"/>
+            <a:ext cx="8229600" cy="914400"/>
+          </a:xfrm>
+          <a:prstGeom prst="rect">
+            <a:avLst/>
+          </a:prstGeom>
+          <a:noFill/>
+        </p:spPr>
+        <p:txBody>
+          <a:bodyPr wrap="none">
+            <a:spAutoFit/>
+          </a:bodyPr>
+          <a:lstStyle/>
+          <a:p>
+            <a:endParaRPr/>
+          </a:p>
+          <a:p>
+            <a:pPr>
+              <a:defRPr sz="3600">
+                <a:solidFill>
+                  <a:srgbClr val="00C882"/>
+                </a:solidFill>
+              </a:defRPr>
+            </a:pPr>
+            <a:r>
+              <a:t>Thank You!</a:t>
+            </a:r>
+          </a:p>
+        </p:txBody>
+      </p:sp>
+      <p:sp>
+        <p:nvSpPr>
+          <p:cNvPr id="4" name="TextBox 3"/>
+          <p:cNvSpPr txBox="1"/>
+          <p:nvPr/>
+        </p:nvSpPr>
+        <p:spPr>
+          <a:xfrm>
+            <a:off x="914400" y="1371600"/>
+            <a:ext cx="3456331" cy="1600438"/>
+          </a:xfrm>
+          <a:prstGeom prst="rect">
+            <a:avLst/>
+          </a:prstGeom>
+          <a:noFill/>
+        </p:spPr>
+        <p:txBody>
+          <a:bodyPr wrap="none">
+            <a:spAutoFit/>
+          </a:bodyPr>
+          <a:lstStyle/>
+          <a:p>
+            <a:endParaRPr dirty="0"/>
+          </a:p>
+          <a:p>
+            <a:pPr>
+              <a:defRPr sz="2000">
+                <a:solidFill>
+                  <a:srgbClr val="FFFFFF"/>
+                </a:solidFill>
+              </a:defRPr>
+            </a:pPr>
+            <a:r>
+              <a:rPr lang="en-US" dirty="0"/>
+              <a:t>Recommendation:</a:t>
+            </a:r>
+            <a:br>
+              <a:rPr lang="en-US" dirty="0"/>
+            </a:br>
+            <a:r>
+              <a:rPr lang="en-US" dirty="0">
+                <a:hlinkClick r:id="rId2"/>
+              </a:rPr>
+              <a:t>https://learngitbranching.js.org</a:t>
+            </a:r>
+            <a:endParaRPr lang="en-US" dirty="0"/>
+          </a:p>
+          <a:p>
+            <a:pPr>
+              <a:defRPr sz="2000">
+                <a:solidFill>
+                  <a:srgbClr val="FFFFFF"/>
+                </a:solidFill>
+              </a:defRPr>
+            </a:pPr>
+            <a:endParaRPr dirty="0"/>
+          </a:p>
+          <a:p>
+            <a:pPr>
+              <a:defRPr sz="2000">
+                <a:solidFill>
+                  <a:srgbClr val="FFFFFF"/>
+                </a:solidFill>
+              </a:defRPr>
+            </a:pPr>
+            <a:r>
+              <a:rPr dirty="0"/>
+              <a:t>Happy Coding with Git!</a:t>
             </a:r>
           </a:p>
         </p:txBody>
@@ -3555,7 +7495,7 @@
         <p:spPr>
           <a:xfrm>
             <a:off x="457200" y="274320"/>
-            <a:ext cx="8229600" cy="914400"/>
+            <a:ext cx="4972772" cy="923330"/>
           </a:xfrm>
           <a:prstGeom prst="rect">
             <a:avLst/>
@@ -3568,7 +7508,7 @@
           </a:bodyPr>
           <a:lstStyle/>
           <a:p>
-            <a:endParaRPr/>
+            <a:endParaRPr dirty="0"/>
           </a:p>
           <a:p>
             <a:pPr>
@@ -3579,26 +7519,40 @@
               </a:defRPr>
             </a:pPr>
             <a:r>
-              <a:t>Git vs GitHub</a:t>
-            </a:r>
-          </a:p>
-        </p:txBody>
-      </p:sp>
-      <p:sp>
-        <p:nvSpPr>
-          <p:cNvPr id="4" name="TextBox 3"/>
-          <p:cNvSpPr txBox="1"/>
+              <a:rPr dirty="0"/>
+              <a:t>What</a:t>
+            </a:r>
+            <a:r>
+              <a:rPr lang="en-US" dirty="0"/>
+              <a:t> does “Git” refer to</a:t>
+            </a:r>
+            <a:r>
+              <a:rPr dirty="0"/>
+              <a:t>?</a:t>
+            </a:r>
+          </a:p>
+        </p:txBody>
+      </p:sp>
+      <p:sp>
+        <p:nvSpPr>
+          <p:cNvPr id="5" name="Rectangle 4">
+            <a:extLst>
+              <a:ext uri="{FF2B5EF4-FFF2-40B4-BE49-F238E27FC236}">
+                <a16:creationId xmlns:a16="http://schemas.microsoft.com/office/drawing/2014/main" id="{FD2F8515-1230-4A8C-80E5-C9B4AF8DA01D}"/>
+              </a:ext>
+            </a:extLst>
+          </p:cNvPr>
+          <p:cNvSpPr/>
           <p:nvPr/>
         </p:nvSpPr>
         <p:spPr>
           <a:xfrm>
-            <a:off x="914400" y="1371600"/>
-            <a:ext cx="7315200" cy="4572000"/>
+            <a:off x="457200" y="2114956"/>
+            <a:ext cx="8076763" cy="830997"/>
           </a:xfrm>
           <a:prstGeom prst="rect">
             <a:avLst/>
           </a:prstGeom>
-          <a:noFill/>
         </p:spPr>
         <p:txBody>
           <a:bodyPr wrap="none">
@@ -3606,35 +7560,136 @@
           </a:bodyPr>
           <a:lstStyle/>
           <a:p>
-            <a:endParaRPr/>
-          </a:p>
-          <a:p>
             <a:pPr>
-              <a:defRPr sz="2000">
+              <a:defRPr sz="2400">
                 <a:solidFill>
                   <a:srgbClr val="FFFFFF"/>
                 </a:solidFill>
               </a:defRPr>
             </a:pPr>
             <a:r>
-              <a:t>• Git: Tool for version control (runs locally)</a:t>
-            </a:r>
-          </a:p>
+              <a:rPr lang="en-US" sz="2400" b="1" dirty="0"/>
+              <a:t>*British slang</a:t>
+            </a:r>
+            <a:r>
+              <a:rPr lang="en-US" sz="2400" dirty="0"/>
+              <a:t>: In British English, “git” is a mildly offensive term </a:t>
+            </a:r>
+            <a:br>
+              <a:rPr lang="en-US" sz="2400" dirty="0"/>
+            </a:br>
+            <a:r>
+              <a:rPr lang="en-US" sz="2400" dirty="0"/>
+              <a:t>meaning </a:t>
+            </a:r>
+            <a:r>
+              <a:rPr lang="en-US" sz="2400" b="1" dirty="0"/>
+              <a:t>a stupid, unpleasant, or contemptible person</a:t>
+            </a:r>
+            <a:r>
+              <a:rPr lang="en-US" sz="2400" dirty="0"/>
+              <a:t>.</a:t>
+            </a:r>
+            <a:endParaRPr lang="en-US" dirty="0"/>
+          </a:p>
+        </p:txBody>
+      </p:sp>
+      <p:sp>
+        <p:nvSpPr>
+          <p:cNvPr id="6" name="Rectangle 5">
+            <a:extLst>
+              <a:ext uri="{FF2B5EF4-FFF2-40B4-BE49-F238E27FC236}">
+                <a16:creationId xmlns:a16="http://schemas.microsoft.com/office/drawing/2014/main" id="{F82868A9-0345-4A09-856B-181183BD8F88}"/>
+              </a:ext>
+            </a:extLst>
+          </p:cNvPr>
+          <p:cNvSpPr/>
+          <p:nvPr/>
+        </p:nvSpPr>
+        <p:spPr>
+          <a:xfrm>
+            <a:off x="457200" y="3227772"/>
+            <a:ext cx="8211607" cy="830997"/>
+          </a:xfrm>
+          <a:prstGeom prst="rect">
+            <a:avLst/>
+          </a:prstGeom>
+        </p:spPr>
+        <p:txBody>
+          <a:bodyPr wrap="none">
+            <a:spAutoFit/>
+          </a:bodyPr>
+          <a:lstStyle/>
           <a:p>
             <a:pPr>
-              <a:defRPr sz="2000">
+              <a:defRPr sz="2400">
                 <a:solidFill>
                   <a:srgbClr val="FFFFFF"/>
                 </a:solidFill>
               </a:defRPr>
             </a:pPr>
             <a:r>
-              <a:t>• GitHub: Cloud service to host Git repositories</a:t>
-            </a:r>
+              <a:rPr lang="en-US" dirty="0"/>
+              <a:t>*A random three-letter combination that is pronounceable, and </a:t>
+            </a:r>
+            <a:br>
+              <a:rPr lang="en-US" dirty="0"/>
+            </a:br>
+            <a:r>
+              <a:rPr lang="en-US" dirty="0"/>
+              <a:t>not used by any Unix command</a:t>
+            </a:r>
+          </a:p>
+        </p:txBody>
+      </p:sp>
+      <p:sp>
+        <p:nvSpPr>
+          <p:cNvPr id="7" name="Rectangle 6">
+            <a:extLst>
+              <a:ext uri="{FF2B5EF4-FFF2-40B4-BE49-F238E27FC236}">
+                <a16:creationId xmlns:a16="http://schemas.microsoft.com/office/drawing/2014/main" id="{284C9A6E-D4F6-4183-971C-AC08D81FE733}"/>
+              </a:ext>
+            </a:extLst>
+          </p:cNvPr>
+          <p:cNvSpPr/>
+          <p:nvPr/>
+        </p:nvSpPr>
+        <p:spPr>
+          <a:xfrm>
+            <a:off x="457200" y="4506464"/>
+            <a:ext cx="3752887" cy="461665"/>
+          </a:xfrm>
+          <a:prstGeom prst="rect">
+            <a:avLst/>
+          </a:prstGeom>
+        </p:spPr>
+        <p:txBody>
+          <a:bodyPr wrap="none">
+            <a:spAutoFit/>
+          </a:bodyPr>
+          <a:lstStyle/>
+          <a:p>
+            <a:pPr>
+              <a:defRPr sz="2400">
+                <a:solidFill>
+                  <a:srgbClr val="FFFFFF"/>
+                </a:solidFill>
+              </a:defRPr>
+            </a:pPr>
+            <a:r>
+              <a:rPr lang="en-US" sz="2400" b="1" dirty="0"/>
+              <a:t>*Global Information Tracker</a:t>
+            </a:r>
+            <a:endParaRPr lang="en-US" dirty="0"/>
           </a:p>
         </p:txBody>
       </p:sp>
     </p:spTree>
+    <p:extLst>
+      <p:ext uri="{BB962C8B-B14F-4D97-AF65-F5344CB8AC3E}">
+        <p14:creationId xmlns:p14="http://schemas.microsoft.com/office/powerpoint/2010/main" val="996327790"/>
+      </p:ext>
+    </p:extLst>
   </p:cSld>
   <p:clrMapOvr>
     <a:masterClrMapping/>
@@ -3708,7 +7763,7 @@
           </a:bodyPr>
           <a:lstStyle/>
           <a:p>
-            <a:endParaRPr/>
+            <a:endParaRPr dirty="0"/>
           </a:p>
           <a:p>
             <a:pPr>
@@ -3719,7 +7774,8 @@
               </a:defRPr>
             </a:pPr>
             <a:r>
-              <a:t>Why Use Git?</a:t>
+              <a:rPr dirty="0"/>
+              <a:t>What is Git?</a:t>
             </a:r>
           </a:p>
         </p:txBody>
@@ -3733,7 +7789,7 @@
         <p:spPr>
           <a:xfrm>
             <a:off x="914400" y="1371600"/>
-            <a:ext cx="7315200" cy="4572000"/>
+            <a:ext cx="3930820" cy="1908215"/>
           </a:xfrm>
           <a:prstGeom prst="rect">
             <a:avLst/>
@@ -3746,7 +7802,7 @@
           </a:bodyPr>
           <a:lstStyle/>
           <a:p>
-            <a:endParaRPr/>
+            <a:endParaRPr dirty="0"/>
           </a:p>
           <a:p>
             <a:pPr>
@@ -3757,7 +7813,8 @@
               </a:defRPr>
             </a:pPr>
             <a:r>
-              <a:t>• Collaborate with team members</a:t>
+              <a:rPr dirty="0"/>
+              <a:t>• Distributed version control system</a:t>
             </a:r>
           </a:p>
           <a:p>
@@ -3769,7 +7826,8 @@
               </a:defRPr>
             </a:pPr>
             <a:r>
-              <a:t>• Track and revert changes</a:t>
+              <a:rPr dirty="0"/>
+              <a:t>• Tracks changes in source code</a:t>
             </a:r>
           </a:p>
           <a:p>
@@ -3781,8 +7839,10 @@
               </a:defRPr>
             </a:pPr>
             <a:r>
-              <a:t>• Create branches to work on features</a:t>
-            </a:r>
+              <a:rPr dirty="0"/>
+              <a:t>• Enables collaboration and backup</a:t>
+            </a:r>
+            <a:endParaRPr lang="en-US" dirty="0"/>
           </a:p>
           <a:p>
             <a:pPr>
@@ -3793,12 +7853,49 @@
               </a:defRPr>
             </a:pPr>
             <a:r>
-              <a:t>• Ensure backup and history</a:t>
-            </a:r>
+              <a:rPr lang="en-US" dirty="0"/>
+              <a:t>• </a:t>
+            </a:r>
+            <a:r>
+              <a:rPr lang="en-US" dirty="0" err="1"/>
+              <a:t>bla</a:t>
+            </a:r>
+            <a:r>
+              <a:rPr lang="en-US" dirty="0"/>
+              <a:t> </a:t>
+            </a:r>
+            <a:r>
+              <a:rPr lang="en-US" dirty="0" err="1"/>
+              <a:t>bla</a:t>
+            </a:r>
+            <a:r>
+              <a:rPr lang="en-US" dirty="0"/>
+              <a:t> </a:t>
+            </a:r>
+            <a:r>
+              <a:rPr lang="en-US" dirty="0" err="1"/>
+              <a:t>bla</a:t>
+            </a:r>
+            <a:endParaRPr lang="en-US" dirty="0"/>
+          </a:p>
+          <a:p>
+            <a:pPr>
+              <a:defRPr sz="2000">
+                <a:solidFill>
+                  <a:srgbClr val="FFFFFF"/>
+                </a:solidFill>
+              </a:defRPr>
+            </a:pPr>
+            <a:endParaRPr dirty="0"/>
           </a:p>
         </p:txBody>
       </p:sp>
     </p:spTree>
+    <p:extLst>
+      <p:ext uri="{BB962C8B-B14F-4D97-AF65-F5344CB8AC3E}">
+        <p14:creationId xmlns:p14="http://schemas.microsoft.com/office/powerpoint/2010/main" val="1993605574"/>
+      </p:ext>
+    </p:extLst>
   </p:cSld>
   <p:clrMapOvr>
     <a:masterClrMapping/>
@@ -3859,7 +7956,7 @@
         <p:spPr>
           <a:xfrm>
             <a:off x="457200" y="274320"/>
-            <a:ext cx="8229600" cy="914400"/>
+            <a:ext cx="2887329" cy="923330"/>
           </a:xfrm>
           <a:prstGeom prst="rect">
             <a:avLst/>
@@ -3872,7 +7969,7 @@
           </a:bodyPr>
           <a:lstStyle/>
           <a:p>
-            <a:endParaRPr/>
+            <a:endParaRPr dirty="0"/>
           </a:p>
           <a:p>
             <a:pPr>
@@ -3883,8 +7980,10 @@
               </a:defRPr>
             </a:pPr>
             <a:r>
-              <a:t>Basic Git Workflow</a:t>
-            </a:r>
+              <a:rPr lang="en-US" dirty="0"/>
+              <a:t>Who uses Git?</a:t>
+            </a:r>
+            <a:endParaRPr dirty="0"/>
           </a:p>
         </p:txBody>
       </p:sp>
@@ -3897,7 +7996,7 @@
         <p:spPr>
           <a:xfrm>
             <a:off x="914400" y="1371600"/>
-            <a:ext cx="7315200" cy="4572000"/>
+            <a:ext cx="4437177" cy="2677656"/>
           </a:xfrm>
           <a:prstGeom prst="rect">
             <a:avLst/>
@@ -3910,7 +8009,7 @@
           </a:bodyPr>
           <a:lstStyle/>
           <a:p>
-            <a:endParaRPr/>
+            <a:endParaRPr sz="2400" dirty="0"/>
           </a:p>
           <a:p>
             <a:pPr>
@@ -3921,8 +8020,14 @@
               </a:defRPr>
             </a:pPr>
             <a:r>
-              <a:t>1. Modify files in Working Directory</a:t>
-            </a:r>
+              <a:rPr sz="2400" dirty="0"/>
+              <a:t>• </a:t>
+            </a:r>
+            <a:r>
+              <a:rPr lang="en-US" sz="2400" dirty="0"/>
+              <a:t>Developers of course</a:t>
+            </a:r>
+            <a:endParaRPr sz="2400" dirty="0"/>
           </a:p>
           <a:p>
             <a:pPr>
@@ -3933,11 +8038,16 @@
               </a:defRPr>
             </a:pPr>
             <a:r>
-              <a:t>2. Stage changes with `git add`</a:t>
-            </a:r>
-          </a:p>
-          <a:p>
-            <a:pPr>
+              <a:rPr sz="2400" dirty="0"/>
+              <a:t>•</a:t>
+            </a:r>
+            <a:r>
+              <a:rPr lang="en-US" sz="2400" dirty="0"/>
+              <a:t> Haven’t you done before:</a:t>
+            </a:r>
+          </a:p>
+          <a:p>
+            <a:pPr lvl="1">
               <a:defRPr sz="2000">
                 <a:solidFill>
                   <a:srgbClr val="FFFFFF"/>
@@ -3945,11 +8055,19 @@
               </a:defRPr>
             </a:pPr>
             <a:r>
-              <a:t>3. Commit changes with `git commit`</a:t>
-            </a:r>
-          </a:p>
-          <a:p>
-            <a:pPr>
+              <a:rPr lang="en-US" sz="2400" dirty="0"/>
+              <a:t>Final.docx</a:t>
+            </a:r>
+            <a:br>
+              <a:rPr lang="en-US" sz="2400" dirty="0"/>
+            </a:br>
+            <a:r>
+              <a:rPr lang="en-US" sz="2400" dirty="0"/>
+              <a:t>The_actual_final_of_all.docx</a:t>
+            </a:r>
+          </a:p>
+          <a:p>
+            <a:pPr lvl="1">
               <a:defRPr sz="2000">
                 <a:solidFill>
                   <a:srgbClr val="FFFFFF"/>
@@ -3957,12 +8075,36 @@
               </a:defRPr>
             </a:pPr>
             <a:r>
-              <a:t>4. Push to remote repository with `git push`</a:t>
-            </a:r>
+              <a:rPr lang="en-US" sz="2400" dirty="0"/>
+              <a:t>The_finalist_of_all_finals.docx</a:t>
+            </a:r>
+          </a:p>
+          <a:p>
+            <a:pPr lvl="1">
+              <a:defRPr sz="2000">
+                <a:solidFill>
+                  <a:srgbClr val="FFFFFF"/>
+                </a:solidFill>
+              </a:defRPr>
+            </a:pPr>
+            <a:r>
+              <a:rPr lang="en-US" sz="2400" dirty="0" err="1"/>
+              <a:t>Etc</a:t>
+            </a:r>
+            <a:r>
+              <a:rPr lang="en-US" sz="2400" dirty="0"/>
+              <a:t>…</a:t>
+            </a:r>
+            <a:endParaRPr sz="2400" dirty="0"/>
           </a:p>
         </p:txBody>
       </p:sp>
     </p:spTree>
+    <p:extLst>
+      <p:ext uri="{BB962C8B-B14F-4D97-AF65-F5344CB8AC3E}">
+        <p14:creationId xmlns:p14="http://schemas.microsoft.com/office/powerpoint/2010/main" val="833015762"/>
+      </p:ext>
+    </p:extLst>
   </p:cSld>
   <p:clrMapOvr>
     <a:masterClrMapping/>
@@ -4005,12 +8147,17 @@
             <p:ph type="title"/>
           </p:nvPr>
         </p:nvSpPr>
-        <p:spPr/>
+        <p:spPr>
+          <a:xfrm>
+            <a:off x="457200" y="274638"/>
+            <a:ext cx="8229600" cy="914082"/>
+          </a:xfrm>
+        </p:spPr>
         <p:txBody>
           <a:bodyPr/>
           <a:lstStyle/>
           <a:p>
-            <a:endParaRPr/>
+            <a:endParaRPr dirty="0"/>
           </a:p>
         </p:txBody>
       </p:sp>
@@ -4023,7 +8170,7 @@
         <p:spPr>
           <a:xfrm>
             <a:off x="457200" y="274320"/>
-            <a:ext cx="8229600" cy="914400"/>
+            <a:ext cx="1905715" cy="923330"/>
           </a:xfrm>
           <a:prstGeom prst="rect">
             <a:avLst/>
@@ -4036,7 +8183,7 @@
           </a:bodyPr>
           <a:lstStyle/>
           <a:p>
-            <a:endParaRPr/>
+            <a:endParaRPr dirty="0"/>
           </a:p>
           <a:p>
             <a:pPr>
@@ -4047,110 +8194,69 @@
               </a:defRPr>
             </a:pPr>
             <a:r>
-              <a:t>Common Git Commands</a:t>
-            </a:r>
-          </a:p>
-        </p:txBody>
-      </p:sp>
-      <p:sp>
-        <p:nvSpPr>
-          <p:cNvPr id="4" name="TextBox 3"/>
-          <p:cNvSpPr txBox="1"/>
+              <a:rPr lang="en-US" dirty="0"/>
+              <a:t>Why </a:t>
+            </a:r>
+            <a:r>
+              <a:rPr dirty="0"/>
+              <a:t>Git?</a:t>
+            </a:r>
+          </a:p>
+        </p:txBody>
+      </p:sp>
+      <p:pic>
+        <p:nvPicPr>
+          <p:cNvPr id="1028" name="Picture 4">
+            <a:extLst>
+              <a:ext uri="{FF2B5EF4-FFF2-40B4-BE49-F238E27FC236}">
+                <a16:creationId xmlns:a16="http://schemas.microsoft.com/office/drawing/2014/main" id="{1698F0D1-BACD-4A7C-95E3-60CCAE997F66}"/>
+              </a:ext>
+            </a:extLst>
+          </p:cNvPr>
+          <p:cNvPicPr>
+            <a:picLocks noChangeAspect="1" noChangeArrowheads="1"/>
+          </p:cNvPicPr>
           <p:nvPr/>
-        </p:nvSpPr>
-        <p:spPr>
-          <a:xfrm>
-            <a:off x="914400" y="1371600"/>
-            <a:ext cx="7315200" cy="4572000"/>
+        </p:nvPicPr>
+        <p:blipFill>
+          <a:blip r:embed="rId2">
+            <a:extLst>
+              <a:ext uri="{28A0092B-C50C-407E-A947-70E740481C1C}">
+                <a14:useLocalDpi xmlns:a14="http://schemas.microsoft.com/office/drawing/2010/main" val="0"/>
+              </a:ext>
+            </a:extLst>
+          </a:blip>
+          <a:srcRect/>
+          <a:stretch>
+            <a:fillRect/>
+          </a:stretch>
+        </p:blipFill>
+        <p:spPr bwMode="auto">
+          <a:xfrm>
+            <a:off x="0" y="1714500"/>
+            <a:ext cx="9144000" cy="5143500"/>
           </a:xfrm>
           <a:prstGeom prst="rect">
             <a:avLst/>
           </a:prstGeom>
           <a:noFill/>
-        </p:spPr>
-        <p:txBody>
-          <a:bodyPr wrap="none">
-            <a:spAutoFit/>
-          </a:bodyPr>
-          <a:lstStyle/>
-          <a:p>
-            <a:endParaRPr/>
-          </a:p>
-          <a:p>
-            <a:pPr>
-              <a:defRPr sz="2000">
+          <a:extLst>
+            <a:ext uri="{909E8E84-426E-40DD-AFC4-6F175D3DCCD1}">
+              <a14:hiddenFill xmlns:a14="http://schemas.microsoft.com/office/drawing/2010/main">
                 <a:solidFill>
                   <a:srgbClr val="FFFFFF"/>
                 </a:solidFill>
-              </a:defRPr>
-            </a:pPr>
-            <a:r>
-              <a:t>`git init` - Initialize a Git repository</a:t>
-            </a:r>
-          </a:p>
-          <a:p>
-            <a:pPr>
-              <a:defRPr sz="2000">
-                <a:solidFill>
-                  <a:srgbClr val="FFFFFF"/>
-                </a:solidFill>
-              </a:defRPr>
-            </a:pPr>
-            <a:r>
-              <a:t>`git status` - Check status of changes</a:t>
-            </a:r>
-          </a:p>
-          <a:p>
-            <a:pPr>
-              <a:defRPr sz="2000">
-                <a:solidFill>
-                  <a:srgbClr val="FFFFFF"/>
-                </a:solidFill>
-              </a:defRPr>
-            </a:pPr>
-            <a:r>
-              <a:t>`git add &lt;file&gt;` - Stage a file</a:t>
-            </a:r>
-          </a:p>
-          <a:p>
-            <a:pPr>
-              <a:defRPr sz="2000">
-                <a:solidFill>
-                  <a:srgbClr val="FFFFFF"/>
-                </a:solidFill>
-              </a:defRPr>
-            </a:pPr>
-            <a:r>
-              <a:t>`git commit -m "message"` - Save changes</a:t>
-            </a:r>
-          </a:p>
-          <a:p>
-            <a:pPr>
-              <a:defRPr sz="2000">
-                <a:solidFill>
-                  <a:srgbClr val="FFFFFF"/>
-                </a:solidFill>
-              </a:defRPr>
-            </a:pPr>
-            <a:r>
-              <a:t>`git push` - Upload to remote repository</a:t>
-            </a:r>
-          </a:p>
-          <a:p>
-            <a:pPr>
-              <a:defRPr sz="2000">
-                <a:solidFill>
-                  <a:srgbClr val="FFFFFF"/>
-                </a:solidFill>
-              </a:defRPr>
-            </a:pPr>
-            <a:r>
-              <a:t>`git pull` - Get latest changes</a:t>
-            </a:r>
-          </a:p>
-        </p:txBody>
-      </p:sp>
+              </a14:hiddenFill>
+            </a:ext>
+          </a:extLst>
+        </p:spPr>
+      </p:pic>
     </p:spTree>
+    <p:extLst>
+      <p:ext uri="{BB962C8B-B14F-4D97-AF65-F5344CB8AC3E}">
+        <p14:creationId xmlns:p14="http://schemas.microsoft.com/office/powerpoint/2010/main" val="3081347780"/>
+      </p:ext>
+    </p:extLst>
   </p:cSld>
   <p:clrMapOvr>
     <a:masterClrMapping/>
@@ -4211,7 +8317,7 @@
         <p:spPr>
           <a:xfrm>
             <a:off x="457200" y="274320"/>
-            <a:ext cx="8229600" cy="914400"/>
+            <a:ext cx="5085688" cy="923330"/>
           </a:xfrm>
           <a:prstGeom prst="rect">
             <a:avLst/>
@@ -4224,7 +8330,7 @@
           </a:bodyPr>
           <a:lstStyle/>
           <a:p>
-            <a:endParaRPr/>
+            <a:endParaRPr dirty="0"/>
           </a:p>
           <a:p>
             <a:pPr>
@@ -4235,7 +8341,20 @@
               </a:defRPr>
             </a:pPr>
             <a:r>
-              <a:t>Branching and Merging</a:t>
+              <a:rPr lang="en-US" dirty="0"/>
+              <a:t>How does </a:t>
+            </a:r>
+            <a:r>
+              <a:rPr dirty="0"/>
+              <a:t>Git</a:t>
+            </a:r>
+            <a:r>
+              <a:rPr lang="en-US" dirty="0"/>
+              <a:t> really work</a:t>
+            </a:r>
+            <a:r>
+              <a:rPr dirty="0"/>
+              <a:t>?</a:t>
             </a:r>
           </a:p>
         </p:txBody>
@@ -4249,7 +8368,7 @@
         <p:spPr>
           <a:xfrm>
             <a:off x="914400" y="1371600"/>
-            <a:ext cx="7315200" cy="4572000"/>
+            <a:ext cx="184731" cy="677108"/>
           </a:xfrm>
           <a:prstGeom prst="rect">
             <a:avLst/>
@@ -4262,7 +8381,7 @@
           </a:bodyPr>
           <a:lstStyle/>
           <a:p>
-            <a:endParaRPr/>
+            <a:endParaRPr dirty="0"/>
           </a:p>
           <a:p>
             <a:pPr>
@@ -4272,49 +8391,101 @@
                 </a:solidFill>
               </a:defRPr>
             </a:pPr>
-            <a:r>
-              <a:t>• `git branch` - Create a new branch</a:t>
-            </a:r>
-          </a:p>
+            <a:endParaRPr dirty="0"/>
+          </a:p>
+        </p:txBody>
+      </p:sp>
+      <p:sp>
+        <p:nvSpPr>
+          <p:cNvPr id="6" name="Rectangle 5">
+            <a:extLst>
+              <a:ext uri="{FF2B5EF4-FFF2-40B4-BE49-F238E27FC236}">
+                <a16:creationId xmlns:a16="http://schemas.microsoft.com/office/drawing/2014/main" id="{3210A8A0-8CED-45C0-8B51-4B9AA6C80AF5}"/>
+              </a:ext>
+            </a:extLst>
+          </p:cNvPr>
+          <p:cNvSpPr/>
+          <p:nvPr/>
+        </p:nvSpPr>
+        <p:spPr>
+          <a:xfrm>
+            <a:off x="457200" y="2114956"/>
+            <a:ext cx="7929991" cy="1569660"/>
+          </a:xfrm>
+          <a:prstGeom prst="rect">
+            <a:avLst/>
+          </a:prstGeom>
+        </p:spPr>
+        <p:txBody>
+          <a:bodyPr wrap="none">
+            <a:spAutoFit/>
+          </a:bodyPr>
+          <a:lstStyle/>
           <a:p>
             <a:pPr>
-              <a:defRPr sz="2000">
+              <a:defRPr sz="2400">
                 <a:solidFill>
                   <a:srgbClr val="FFFFFF"/>
                 </a:solidFill>
               </a:defRPr>
             </a:pPr>
             <a:r>
-              <a:t>• `git checkout` - Switch to a branch</a:t>
+              <a:rPr lang="en-US" sz="2400" b="1" dirty="0"/>
+              <a:t>Git Commits</a:t>
+            </a:r>
+            <a:r>
+              <a:rPr lang="en-US" sz="2400" dirty="0"/>
+              <a:t>: </a:t>
             </a:r>
           </a:p>
           <a:p>
             <a:pPr>
-              <a:defRPr sz="2000">
+              <a:defRPr sz="2400">
                 <a:solidFill>
                   <a:srgbClr val="FFFFFF"/>
                 </a:solidFill>
               </a:defRPr>
             </a:pPr>
             <a:r>
-              <a:t>• `git merge` - Combine branches</a:t>
+              <a:rPr lang="en-US" sz="2400" dirty="0"/>
+              <a:t>A commit in a git repository records a snapshot of all the </a:t>
             </a:r>
           </a:p>
           <a:p>
             <a:pPr>
-              <a:defRPr sz="2000">
+              <a:defRPr sz="2400">
                 <a:solidFill>
                   <a:srgbClr val="FFFFFF"/>
                 </a:solidFill>
               </a:defRPr>
             </a:pPr>
             <a:r>
-              <a:t>• Helps isolate work and collaborate</a:t>
-            </a:r>
+              <a:rPr lang="en-US" sz="2400" dirty="0"/>
+              <a:t>(tracked) files in your directory. It's like a giant copy and paste,</a:t>
+            </a:r>
+          </a:p>
+          <a:p>
+            <a:pPr>
+              <a:defRPr sz="2400">
+                <a:solidFill>
+                  <a:srgbClr val="FFFFFF"/>
+                </a:solidFill>
+              </a:defRPr>
+            </a:pPr>
+            <a:r>
+              <a:rPr lang="en-US" sz="2400" dirty="0"/>
+              <a:t> but even better!</a:t>
+            </a:r>
+            <a:endParaRPr lang="en-US" dirty="0"/>
           </a:p>
         </p:txBody>
       </p:sp>
     </p:spTree>
+    <p:extLst>
+      <p:ext uri="{BB962C8B-B14F-4D97-AF65-F5344CB8AC3E}">
+        <p14:creationId xmlns:p14="http://schemas.microsoft.com/office/powerpoint/2010/main" val="1278359068"/>
+      </p:ext>
+    </p:extLst>
   </p:cSld>
   <p:clrMapOvr>
     <a:masterClrMapping/>
@@ -4375,7 +8546,7 @@
         <p:spPr>
           <a:xfrm>
             <a:off x="457200" y="274320"/>
-            <a:ext cx="8229600" cy="914400"/>
+            <a:ext cx="5085688" cy="923330"/>
           </a:xfrm>
           <a:prstGeom prst="rect">
             <a:avLst/>
@@ -4388,7 +8559,7 @@
           </a:bodyPr>
           <a:lstStyle/>
           <a:p>
-            <a:endParaRPr/>
+            <a:endParaRPr dirty="0"/>
           </a:p>
           <a:p>
             <a:pPr>
@@ -4399,7 +8570,20 @@
               </a:defRPr>
             </a:pPr>
             <a:r>
-              <a:t>Example Workflow</a:t>
+              <a:rPr lang="en-US" dirty="0"/>
+              <a:t>How does </a:t>
+            </a:r>
+            <a:r>
+              <a:rPr dirty="0"/>
+              <a:t>Git</a:t>
+            </a:r>
+            <a:r>
+              <a:rPr lang="en-US" dirty="0"/>
+              <a:t> really work</a:t>
+            </a:r>
+            <a:r>
+              <a:rPr dirty="0"/>
+              <a:t>?</a:t>
             </a:r>
           </a:p>
         </p:txBody>
@@ -4413,7 +8597,7 @@
         <p:spPr>
           <a:xfrm>
             <a:off x="914400" y="1371600"/>
-            <a:ext cx="7315200" cy="4572000"/>
+            <a:ext cx="184731" cy="677108"/>
           </a:xfrm>
           <a:prstGeom prst="rect">
             <a:avLst/>
@@ -4426,7 +8610,7 @@
           </a:bodyPr>
           <a:lstStyle/>
           <a:p>
-            <a:endParaRPr/>
+            <a:endParaRPr dirty="0"/>
           </a:p>
           <a:p>
             <a:pPr>
@@ -4436,65 +8620,171 @@
                 </a:solidFill>
               </a:defRPr>
             </a:pPr>
-            <a:r>
-              <a:t>1. `git clone` - Copy repository</a:t>
-            </a:r>
-          </a:p>
-          <a:p>
-            <a:pPr>
-              <a:defRPr sz="2000">
-                <a:solidFill>
-                  <a:srgbClr val="FFFFFF"/>
-                </a:solidFill>
-              </a:defRPr>
-            </a:pPr>
-            <a:r>
-              <a:t>2. `git checkout -b feature` - Create branch</a:t>
-            </a:r>
-          </a:p>
-          <a:p>
-            <a:pPr>
-              <a:defRPr sz="2000">
-                <a:solidFill>
-                  <a:srgbClr val="FFFFFF"/>
-                </a:solidFill>
-              </a:defRPr>
-            </a:pPr>
-            <a:r>
-              <a:t>3. `git add .` and `git commit` - Save work</a:t>
-            </a:r>
-          </a:p>
-          <a:p>
-            <a:pPr>
-              <a:defRPr sz="2000">
-                <a:solidFill>
-                  <a:srgbClr val="FFFFFF"/>
-                </a:solidFill>
-              </a:defRPr>
-            </a:pPr>
-            <a:r>
-              <a:t>4. `git push origin feature` - Push changes</a:t>
-            </a:r>
-          </a:p>
-          <a:p>
-            <a:pPr>
-              <a:defRPr sz="2000">
-                <a:solidFill>
-                  <a:srgbClr val="FFFFFF"/>
-                </a:solidFill>
-              </a:defRPr>
-            </a:pPr>
-            <a:r>
-              <a:t>5. Create Pull Request on GitHub</a:t>
+            <a:endParaRPr dirty="0"/>
+          </a:p>
+        </p:txBody>
+      </p:sp>
+      <p:pic>
+        <p:nvPicPr>
+          <p:cNvPr id="7" name="Picture 6">
+            <a:extLst>
+              <a:ext uri="{FF2B5EF4-FFF2-40B4-BE49-F238E27FC236}">
+                <a16:creationId xmlns:a16="http://schemas.microsoft.com/office/drawing/2014/main" id="{BBDB91AE-2FC8-4DBB-AD17-242E37571BB8}"/>
+              </a:ext>
+            </a:extLst>
+          </p:cNvPr>
+          <p:cNvPicPr>
+            <a:picLocks noChangeAspect="1"/>
+          </p:cNvPicPr>
+          <p:nvPr/>
+        </p:nvPicPr>
+        <p:blipFill>
+          <a:blip r:embed="rId2"/>
+          <a:stretch>
+            <a:fillRect/>
+          </a:stretch>
+        </p:blipFill>
+        <p:spPr>
+          <a:xfrm>
+            <a:off x="2959380" y="1538287"/>
+            <a:ext cx="3225239" cy="5269218"/>
+          </a:xfrm>
+          <a:prstGeom prst="rect">
+            <a:avLst/>
+          </a:prstGeom>
+        </p:spPr>
+      </p:pic>
+      <p:sp>
+        <p:nvSpPr>
+          <p:cNvPr id="8" name="TextBox 7">
+            <a:extLst>
+              <a:ext uri="{FF2B5EF4-FFF2-40B4-BE49-F238E27FC236}">
+                <a16:creationId xmlns:a16="http://schemas.microsoft.com/office/drawing/2014/main" id="{364CCBFD-D4FA-4A9B-8632-6B0B01AF36AB}"/>
+              </a:ext>
+            </a:extLst>
+          </p:cNvPr>
+          <p:cNvSpPr txBox="1"/>
+          <p:nvPr/>
+        </p:nvSpPr>
+        <p:spPr>
+          <a:xfrm>
+            <a:off x="3200399" y="5164968"/>
+            <a:ext cx="2743200" cy="646331"/>
+          </a:xfrm>
+          <a:prstGeom prst="rect">
+            <a:avLst/>
+          </a:prstGeom>
+          <a:solidFill>
+            <a:schemeClr val="bg1"/>
+          </a:solidFill>
+          <a:ln>
+            <a:solidFill>
+              <a:schemeClr val="bg1"/>
+            </a:solidFill>
+          </a:ln>
+        </p:spPr>
+        <p:txBody>
+          <a:bodyPr wrap="square" rtlCol="0">
+            <a:spAutoFit/>
+          </a:bodyPr>
+          <a:lstStyle/>
+          <a:p>
+            <a:pPr algn="ctr"/>
+            <a:r>
+              <a:rPr lang="en-US" sz="3600" dirty="0"/>
+              <a:t>git commit</a:t>
             </a:r>
           </a:p>
         </p:txBody>
       </p:sp>
     </p:spTree>
+    <p:extLst>
+      <p:ext uri="{BB962C8B-B14F-4D97-AF65-F5344CB8AC3E}">
+        <p14:creationId xmlns:p14="http://schemas.microsoft.com/office/powerpoint/2010/main" val="4240432192"/>
+      </p:ext>
+    </p:extLst>
   </p:cSld>
   <p:clrMapOvr>
     <a:masterClrMapping/>
   </p:clrMapOvr>
+  <p:timing>
+    <p:tnLst>
+      <p:par>
+        <p:cTn id="1" dur="indefinite" restart="never" nodeType="tmRoot">
+          <p:childTnLst>
+            <p:seq concurrent="1" nextAc="seek">
+              <p:cTn id="2" dur="indefinite" nodeType="mainSeq">
+                <p:childTnLst>
+                  <p:par>
+                    <p:cTn id="3" fill="hold">
+                      <p:stCondLst>
+                        <p:cond delay="indefinite"/>
+                      </p:stCondLst>
+                      <p:childTnLst>
+                        <p:par>
+                          <p:cTn id="4" fill="hold">
+                            <p:stCondLst>
+                              <p:cond delay="0"/>
+                            </p:stCondLst>
+                            <p:childTnLst>
+                              <p:par>
+                                <p:cTn id="5" presetID="1" presetClass="entr" presetSubtype="0" fill="hold" grpId="0" nodeType="clickEffect">
+                                  <p:stCondLst>
+                                    <p:cond delay="0"/>
+                                  </p:stCondLst>
+                                  <p:childTnLst>
+                                    <p:set>
+                                      <p:cBhvr>
+                                        <p:cTn id="6" dur="1" fill="hold">
+                                          <p:stCondLst>
+                                            <p:cond delay="0"/>
+                                          </p:stCondLst>
+                                        </p:cTn>
+                                        <p:tgtEl>
+                                          <p:spTgt spid="8"/>
+                                        </p:tgtEl>
+                                        <p:attrNameLst>
+                                          <p:attrName>style.visibility</p:attrName>
+                                        </p:attrNameLst>
+                                      </p:cBhvr>
+                                      <p:to>
+                                        <p:strVal val="visible"/>
+                                      </p:to>
+                                    </p:set>
+                                  </p:childTnLst>
+                                </p:cTn>
+                              </p:par>
+                            </p:childTnLst>
+                          </p:cTn>
+                        </p:par>
+                      </p:childTnLst>
+                    </p:cTn>
+                  </p:par>
+                </p:childTnLst>
+              </p:cTn>
+              <p:prevCondLst>
+                <p:cond evt="onPrev" delay="0">
+                  <p:tgtEl>
+                    <p:sldTgt/>
+                  </p:tgtEl>
+                </p:cond>
+              </p:prevCondLst>
+              <p:nextCondLst>
+                <p:cond evt="onNext" delay="0">
+                  <p:tgtEl>
+                    <p:sldTgt/>
+                  </p:tgtEl>
+                </p:cond>
+              </p:nextCondLst>
+            </p:seq>
+          </p:childTnLst>
+        </p:cTn>
+      </p:par>
+    </p:tnLst>
+    <p:bldLst>
+      <p:bldP spid="8" grpId="0"/>
+    </p:bldLst>
+  </p:timing>
 </p:sld>
 </file>
 
@@ -4551,7 +8841,7 @@
         <p:spPr>
           <a:xfrm>
             <a:off x="457200" y="274320"/>
-            <a:ext cx="8229600" cy="914400"/>
+            <a:ext cx="5085688" cy="923330"/>
           </a:xfrm>
           <a:prstGeom prst="rect">
             <a:avLst/>
@@ -4564,7 +8854,7 @@
           </a:bodyPr>
           <a:lstStyle/>
           <a:p>
-            <a:endParaRPr/>
+            <a:endParaRPr dirty="0"/>
           </a:p>
           <a:p>
             <a:pPr>
@@ -4575,7 +8865,20 @@
               </a:defRPr>
             </a:pPr>
             <a:r>
-              <a:t>Best Practices</a:t>
+              <a:rPr lang="en-US" dirty="0"/>
+              <a:t>How does </a:t>
+            </a:r>
+            <a:r>
+              <a:rPr dirty="0"/>
+              <a:t>Git</a:t>
+            </a:r>
+            <a:r>
+              <a:rPr lang="en-US" dirty="0"/>
+              <a:t> really work</a:t>
+            </a:r>
+            <a:r>
+              <a:rPr dirty="0"/>
+              <a:t>?</a:t>
             </a:r>
           </a:p>
         </p:txBody>
@@ -4589,7 +8892,7 @@
         <p:spPr>
           <a:xfrm>
             <a:off x="914400" y="1371600"/>
-            <a:ext cx="7315200" cy="4572000"/>
+            <a:ext cx="184731" cy="677108"/>
           </a:xfrm>
           <a:prstGeom prst="rect">
             <a:avLst/>
@@ -4602,7 +8905,7 @@
           </a:bodyPr>
           <a:lstStyle/>
           <a:p>
-            <a:endParaRPr/>
+            <a:endParaRPr dirty="0"/>
           </a:p>
           <a:p>
             <a:pPr>
@@ -4612,49 +8915,46 @@
                 </a:solidFill>
               </a:defRPr>
             </a:pPr>
-            <a:r>
-              <a:t>• Write clear commit messages</a:t>
-            </a:r>
-          </a:p>
-          <a:p>
-            <a:pPr>
-              <a:defRPr sz="2000">
-                <a:solidFill>
-                  <a:srgbClr val="FFFFFF"/>
-                </a:solidFill>
-              </a:defRPr>
-            </a:pPr>
-            <a:r>
-              <a:t>• Commit small, logical changes</a:t>
-            </a:r>
-          </a:p>
-          <a:p>
-            <a:pPr>
-              <a:defRPr sz="2000">
-                <a:solidFill>
-                  <a:srgbClr val="FFFFFF"/>
-                </a:solidFill>
-              </a:defRPr>
-            </a:pPr>
-            <a:r>
-              <a:t>• Pull before pushing</a:t>
-            </a:r>
-          </a:p>
-          <a:p>
-            <a:pPr>
-              <a:defRPr sz="2000">
-                <a:solidFill>
-                  <a:srgbClr val="FFFFFF"/>
-                </a:solidFill>
-              </a:defRPr>
-            </a:pPr>
-            <a:r>
-              <a:t>• Use `.gitignore` for sensitive files</a:t>
-            </a:r>
-          </a:p>
-        </p:txBody>
-      </p:sp>
+            <a:endParaRPr dirty="0"/>
+          </a:p>
+        </p:txBody>
+      </p:sp>
+      <p:pic>
+        <p:nvPicPr>
+          <p:cNvPr id="6" name="Picture 5">
+            <a:extLst>
+              <a:ext uri="{FF2B5EF4-FFF2-40B4-BE49-F238E27FC236}">
+                <a16:creationId xmlns:a16="http://schemas.microsoft.com/office/drawing/2014/main" id="{73DC2126-BF5E-467E-ADAC-9D90B6D2CD65}"/>
+              </a:ext>
+            </a:extLst>
+          </p:cNvPr>
+          <p:cNvPicPr>
+            <a:picLocks noChangeAspect="1"/>
+          </p:cNvPicPr>
+          <p:nvPr/>
+        </p:nvPicPr>
+        <p:blipFill>
+          <a:blip r:embed="rId2"/>
+          <a:stretch>
+            <a:fillRect/>
+          </a:stretch>
+        </p:blipFill>
+        <p:spPr>
+          <a:xfrm>
+            <a:off x="2872984" y="1533525"/>
+            <a:ext cx="3398032" cy="5324475"/>
+          </a:xfrm>
+          <a:prstGeom prst="rect">
+            <a:avLst/>
+          </a:prstGeom>
+        </p:spPr>
+      </p:pic>
     </p:spTree>
+    <p:extLst>
+      <p:ext uri="{BB962C8B-B14F-4D97-AF65-F5344CB8AC3E}">
+        <p14:creationId xmlns:p14="http://schemas.microsoft.com/office/powerpoint/2010/main" val="2357852502"/>
+      </p:ext>
+    </p:extLst>
   </p:cSld>
   <p:clrMapOvr>
     <a:masterClrMapping/>

--- a/Git_Presentation.pptx
+++ b/Git_Presentation.pptx
@@ -4082,7 +4082,7 @@
       </p:par>
     </p:tnLst>
     <p:bldLst>
-      <p:bldP spid="7" grpId="0"/>
+      <p:bldP spid="7" grpId="0" animBg="1"/>
     </p:bldLst>
   </p:timing>
 </p:sld>
@@ -7371,7 +7371,7 @@
         <p:spPr>
           <a:xfrm>
             <a:off x="914400" y="1371600"/>
-            <a:ext cx="3456331" cy="1600438"/>
+            <a:ext cx="6535443" cy="3447098"/>
           </a:xfrm>
           <a:prstGeom prst="rect">
             <a:avLst/>
@@ -7431,6 +7431,76 @@
               <a:rPr dirty="0"/>
               <a:t>Happy Coding with Git!</a:t>
             </a:r>
+            <a:endParaRPr lang="en-US" dirty="0"/>
+          </a:p>
+          <a:p>
+            <a:pPr>
+              <a:defRPr sz="2000">
+                <a:solidFill>
+                  <a:srgbClr val="FFFFFF"/>
+                </a:solidFill>
+              </a:defRPr>
+            </a:pPr>
+            <a:endParaRPr lang="en-US" dirty="0"/>
+          </a:p>
+          <a:p>
+            <a:pPr>
+              <a:defRPr sz="2000">
+                <a:solidFill>
+                  <a:srgbClr val="FFFFFF"/>
+                </a:solidFill>
+              </a:defRPr>
+            </a:pPr>
+            <a:endParaRPr lang="en-US" dirty="0"/>
+          </a:p>
+          <a:p>
+            <a:pPr>
+              <a:defRPr sz="2000">
+                <a:solidFill>
+                  <a:srgbClr val="FFFFFF"/>
+                </a:solidFill>
+              </a:defRPr>
+            </a:pPr>
+            <a:endParaRPr lang="en-US" dirty="0"/>
+          </a:p>
+          <a:p>
+            <a:pPr>
+              <a:defRPr sz="2000">
+                <a:solidFill>
+                  <a:srgbClr val="FFFFFF"/>
+                </a:solidFill>
+              </a:defRPr>
+            </a:pPr>
+            <a:endParaRPr lang="en-US" dirty="0"/>
+          </a:p>
+          <a:p>
+            <a:pPr>
+              <a:defRPr sz="2000">
+                <a:solidFill>
+                  <a:srgbClr val="FFFFFF"/>
+                </a:solidFill>
+              </a:defRPr>
+            </a:pPr>
+            <a:r>
+              <a:rPr lang="en-US" dirty="0"/>
+              <a:t>You can find this presentation on my </a:t>
+            </a:r>
+            <a:r>
+              <a:rPr lang="en-US" dirty="0" err="1"/>
+              <a:t>Github</a:t>
+            </a:r>
+            <a:r>
+              <a:rPr lang="en-US" dirty="0"/>
+              <a:t>:</a:t>
+            </a:r>
+            <a:br>
+              <a:rPr lang="en-US" dirty="0"/>
+            </a:br>
+            <a:r>
+              <a:rPr lang="en-US" dirty="0"/>
+              <a:t>https://github.com/OmarMoamarFostok/git-presentation.git</a:t>
+            </a:r>
+            <a:endParaRPr dirty="0"/>
           </a:p>
         </p:txBody>
       </p:sp>
@@ -8782,7 +8852,7 @@
       </p:par>
     </p:tnLst>
     <p:bldLst>
-      <p:bldP spid="8" grpId="0"/>
+      <p:bldP spid="8" grpId="0" animBg="1"/>
     </p:bldLst>
   </p:timing>
 </p:sld>
